--- a/slides/week2_day2.pptx
+++ b/slides/week2_day2.pptx
@@ -5,10 +5,10 @@
     <p:sldMasterId id="2147483648" r:id="rId1"/>
   </p:sldMasterIdLst>
   <p:notesMasterIdLst>
-    <p:notesMasterId r:id="rId27"/>
+    <p:notesMasterId r:id="rId28"/>
   </p:notesMasterIdLst>
   <p:handoutMasterIdLst>
-    <p:handoutMasterId r:id="rId28"/>
+    <p:handoutMasterId r:id="rId29"/>
   </p:handoutMasterIdLst>
   <p:sldIdLst>
     <p:sldId id="281" r:id="rId2"/>
@@ -25,17 +25,18 @@
     <p:sldId id="326" r:id="rId13"/>
     <p:sldId id="327" r:id="rId14"/>
     <p:sldId id="328" r:id="rId15"/>
-    <p:sldId id="329" r:id="rId16"/>
-    <p:sldId id="315" r:id="rId17"/>
-    <p:sldId id="300" r:id="rId18"/>
-    <p:sldId id="301" r:id="rId19"/>
-    <p:sldId id="302" r:id="rId20"/>
-    <p:sldId id="303" r:id="rId21"/>
-    <p:sldId id="304" r:id="rId22"/>
-    <p:sldId id="305" r:id="rId23"/>
-    <p:sldId id="307" r:id="rId24"/>
-    <p:sldId id="308" r:id="rId25"/>
-    <p:sldId id="309" r:id="rId26"/>
+    <p:sldId id="330" r:id="rId16"/>
+    <p:sldId id="329" r:id="rId17"/>
+    <p:sldId id="315" r:id="rId18"/>
+    <p:sldId id="300" r:id="rId19"/>
+    <p:sldId id="301" r:id="rId20"/>
+    <p:sldId id="302" r:id="rId21"/>
+    <p:sldId id="303" r:id="rId22"/>
+    <p:sldId id="304" r:id="rId23"/>
+    <p:sldId id="305" r:id="rId24"/>
+    <p:sldId id="307" r:id="rId25"/>
+    <p:sldId id="308" r:id="rId26"/>
+    <p:sldId id="309" r:id="rId27"/>
   </p:sldIdLst>
   <p:sldSz cx="9144000" cy="6858000" type="screen4x3"/>
   <p:notesSz cx="6858000" cy="9144000"/>
@@ -4483,13 +4484,6 @@
               <a:t>4) what conference they go to or want to go to, what are the most prestigious journals/conferences in their field/sub-field </a:t>
             </a:r>
           </a:p>
-          <a:p>
-            <a:r>
-              <a:rPr lang="en-US" dirty="0" smtClean="0"/>
-              <a:t>5) make a short (5-10 minute?) video out of these interviews. only requirement: it must not be boring. </a:t>
-            </a:r>
-            <a:endParaRPr lang="en-US" dirty="0"/>
-          </a:p>
         </p:txBody>
       </p:sp>
     </p:spTree>
@@ -4535,11 +4529,7 @@
           <a:bodyPr/>
           <a:lstStyle/>
           <a:p>
-            <a:r>
-              <a:rPr lang="en-US" dirty="0" smtClean="0"/>
-              <a:t>Homework (due Tuesday)</a:t>
-            </a:r>
-            <a:endParaRPr lang="en-US" dirty="0"/>
+            <a:endParaRPr lang="en-US"/>
           </a:p>
         </p:txBody>
       </p:sp>
@@ -4560,31 +4550,50 @@
           <a:p>
             <a:r>
               <a:rPr lang="en-US" dirty="0" smtClean="0"/>
-              <a:t>Investigate possible journals that have </a:t>
-            </a:r>
+              <a:t>5)</a:t>
+            </a:r>
+            <a:r>
+              <a:rPr lang="en-US" dirty="0" smtClean="0"/>
+              <a:t> short </a:t>
+            </a:r>
+            <a:r>
+              <a:rPr lang="en-US" dirty="0" smtClean="0"/>
+              <a:t>(5-10 minute?)</a:t>
+            </a:r>
+            <a:r>
+              <a:rPr lang="en-US" dirty="0" smtClean="0"/>
+              <a:t> presentation.</a:t>
+            </a:r>
+          </a:p>
+          <a:p>
+            <a:endParaRPr lang="en-US" dirty="0" smtClean="0"/>
+          </a:p>
+          <a:p>
+            <a:r>
+              <a:rPr lang="en-US" dirty="0" smtClean="0"/>
+              <a:t>a) post a blog summarizing your interview, what you learned, what was interesting, etc.</a:t>
+            </a:r>
+          </a:p>
+          <a:p>
+            <a:endParaRPr lang="en-US" dirty="0" smtClean="0"/>
+          </a:p>
+          <a:p>
             <a:r>
               <a:rPr lang="en-US" dirty="0" err="1" smtClean="0"/>
-              <a:t>CFPs</a:t>
-            </a:r>
-            <a:r>
-              <a:rPr lang="en-US" dirty="0" smtClean="0"/>
-              <a:t> within the time frame of this class.</a:t>
-            </a:r>
-          </a:p>
-          <a:p>
-            <a:endParaRPr lang="en-US" dirty="0" smtClean="0"/>
-          </a:p>
-          <a:p>
-            <a:r>
-              <a:rPr lang="en-US" dirty="0" smtClean="0"/>
-              <a:t>Write a blog about at least 3 of them, why they look interesting, why your work would be relevant to those audiences, i.e. evaluate them in relation to your own interests and </a:t>
-            </a:r>
-            <a:r>
-              <a:rPr lang="en-US" smtClean="0"/>
-              <a:t>research agendas.</a:t>
-            </a:r>
-          </a:p>
-          <a:p>
+              <a:t>b</a:t>
+            </a:r>
+            <a:r>
+              <a:rPr lang="en-US" dirty="0" smtClean="0"/>
+              <a:t>) make video </a:t>
+            </a:r>
+            <a:r>
+              <a:rPr lang="en-US" dirty="0" smtClean="0"/>
+              <a:t>out of these interviews. only requirement: it must not be boring</a:t>
+            </a:r>
+            <a:r>
+              <a:rPr lang="en-US" dirty="0" smtClean="0"/>
+              <a:t>. doesn't have to be comprehensive, professional, be well-lit, etc. can just use one of the interviewees or all three. can include yourself or just the interviewees. </a:t>
+            </a:r>
             <a:endParaRPr lang="en-US" dirty="0" smtClean="0"/>
           </a:p>
           <a:p>
@@ -4637,7 +4646,7 @@
           <a:p>
             <a:r>
               <a:rPr lang="en-US" dirty="0" smtClean="0"/>
-              <a:t>Presentation Exercise</a:t>
+              <a:t>Homework (due Tuesday)</a:t>
             </a:r>
             <a:endParaRPr lang="en-US" dirty="0"/>
           </a:p>
@@ -4660,85 +4669,41 @@
           <a:p>
             <a:r>
               <a:rPr lang="en-US" dirty="0" smtClean="0"/>
-              <a:t> </a:t>
-            </a:r>
-          </a:p>
-          <a:p>
-            <a:r>
-              <a:rPr lang="en-US" dirty="0" smtClean="0"/>
-              <a:t>10 </a:t>
-            </a:r>
-            <a:r>
-              <a:rPr lang="en-US" dirty="0" smtClean="0"/>
-              <a:t>minutes to prepare a 3-minute</a:t>
-            </a:r>
+              <a:t>Investigate possible journals that have </a:t>
+            </a:r>
+            <a:r>
+              <a:rPr lang="en-US" dirty="0" err="1" smtClean="0"/>
+              <a:t>CFPs</a:t>
+            </a:r>
+            <a:r>
+              <a:rPr lang="en-US" dirty="0" smtClean="0"/>
+              <a:t> within the time frame of this class.</a:t>
+            </a:r>
+          </a:p>
+          <a:p>
             <a:r>
               <a:rPr lang="en-US" dirty="0" smtClean="0"/>
               <a:t> </a:t>
             </a:r>
-            <a:r>
-              <a:rPr lang="en-US" dirty="0" err="1" smtClean="0"/>
-              <a:t>Powerpoint</a:t>
-            </a:r>
-            <a:r>
-              <a:rPr lang="en-US" dirty="0" smtClean="0"/>
-              <a:t>. Include things such as:</a:t>
-            </a:r>
-          </a:p>
-          <a:p>
-            <a:r>
-              <a:rPr lang="en-US" dirty="0" smtClean="0"/>
-              <a:t>		Your main point, Why </a:t>
-            </a:r>
-            <a:r>
-              <a:rPr lang="en-US" dirty="0" smtClean="0"/>
-              <a:t>it's </a:t>
-            </a:r>
-            <a:r>
-              <a:rPr lang="en-US" dirty="0" smtClean="0"/>
-              <a:t>important, Why </a:t>
-            </a:r>
-            <a:r>
-              <a:rPr lang="en-US" dirty="0" smtClean="0"/>
-              <a:t>audience should </a:t>
-            </a:r>
-            <a:r>
-              <a:rPr lang="en-US" dirty="0" smtClean="0"/>
-              <a:t>care, Quotes, Graphics, Bullet points, etc </a:t>
+          </a:p>
+          <a:p>
+            <a:r>
+              <a:rPr lang="en-US" dirty="0" smtClean="0"/>
+              <a:t>Post </a:t>
+            </a:r>
+            <a:r>
+              <a:rPr lang="en-US" smtClean="0"/>
+              <a:t>an entry about </a:t>
+            </a:r>
+            <a:r>
+              <a:rPr lang="en-US" dirty="0" smtClean="0"/>
+              <a:t>at least 3 of them, why they look interesting, why your work would be relevant to those audiences, i.e. evaluate them in relation to your own interests and research agendas.</a:t>
             </a:r>
           </a:p>
           <a:p>
             <a:endParaRPr lang="en-US" dirty="0" smtClean="0"/>
           </a:p>
           <a:p>
-            <a:r>
-              <a:rPr lang="en-US" dirty="0" smtClean="0"/>
-              <a:t>For </a:t>
-            </a:r>
-            <a:r>
-              <a:rPr lang="en-US" dirty="0" smtClean="0"/>
-              <a:t>the people who are not presenting, evaluate them according to different criteria and explain why you think that criteria is important. </a:t>
-            </a:r>
-            <a:r>
-              <a:rPr lang="en-US" dirty="0" smtClean="0"/>
-              <a:t> </a:t>
-            </a:r>
-            <a:r>
-              <a:rPr lang="en-US" dirty="0" err="1" smtClean="0"/>
-              <a:t>e,g</a:t>
-            </a:r>
-            <a:r>
-              <a:rPr lang="en-US" dirty="0" smtClean="0"/>
-              <a:t>.. </a:t>
-            </a:r>
-            <a:r>
-              <a:rPr lang="en-US" dirty="0" smtClean="0"/>
-              <a:t>relevance, creativity, originality, concept, clarity, speaking</a:t>
-            </a:r>
-            <a:r>
-              <a:rPr lang="en-US" dirty="0" smtClean="0"/>
-              <a:t> prowess... These will be anonymous, btw</a:t>
-            </a:r>
             <a:endParaRPr lang="en-US" dirty="0"/>
           </a:p>
         </p:txBody>
@@ -4751,13 +4716,6 @@
   <p:transition spd="slow" advClick="0" advTm="3000">
     <p:fade/>
   </p:transition>
-  <p:timing>
-    <p:tnLst>
-      <p:par>
-        <p:cTn id="1" dur="indefinite" restart="never" nodeType="tmRoot"/>
-      </p:par>
-    </p:tnLst>
-  </p:timing>
 </p:sld>
 </file>
 
@@ -4793,7 +4751,11 @@
           <a:bodyPr/>
           <a:lstStyle/>
           <a:p>
-            <a:endParaRPr lang="en-US"/>
+            <a:r>
+              <a:rPr lang="en-US" dirty="0" smtClean="0"/>
+              <a:t>Presentation Exercise</a:t>
+            </a:r>
+            <a:endParaRPr lang="en-US" dirty="0"/>
           </a:p>
         </p:txBody>
       </p:sp>
@@ -4814,7 +4776,51 @@
           <a:p>
             <a:r>
               <a:rPr lang="en-US" dirty="0" smtClean="0"/>
-              <a:t>Patterns of presentation...</a:t>
+              <a:t> </a:t>
+            </a:r>
+          </a:p>
+          <a:p>
+            <a:r>
+              <a:rPr lang="en-US" dirty="0" smtClean="0"/>
+              <a:t>10 </a:t>
+            </a:r>
+            <a:r>
+              <a:rPr lang="en-US" dirty="0" smtClean="0"/>
+              <a:t>minutes to prepare a 3-minute</a:t>
+            </a:r>
+            <a:r>
+              <a:rPr lang="en-US" dirty="0" smtClean="0"/>
+              <a:t> </a:t>
+            </a:r>
+            <a:r>
+              <a:rPr lang="en-US" dirty="0" err="1" smtClean="0"/>
+              <a:t>Powerpoint</a:t>
+            </a:r>
+            <a:r>
+              <a:rPr lang="en-US" dirty="0" smtClean="0"/>
+              <a:t>. Include things such as:</a:t>
+            </a:r>
+          </a:p>
+          <a:p>
+            <a:r>
+              <a:rPr lang="en-US" dirty="0" smtClean="0"/>
+              <a:t>		Your main point, Why </a:t>
+            </a:r>
+            <a:r>
+              <a:rPr lang="en-US" dirty="0" smtClean="0"/>
+              <a:t>it's </a:t>
+            </a:r>
+            <a:r>
+              <a:rPr lang="en-US" dirty="0" smtClean="0"/>
+              <a:t>important, Why </a:t>
+            </a:r>
+            <a:r>
+              <a:rPr lang="en-US" dirty="0" smtClean="0"/>
+              <a:t>audience should </a:t>
+            </a:r>
+            <a:r>
+              <a:rPr lang="en-US" dirty="0" smtClean="0"/>
+              <a:t>care, Quotes, Graphics, Bullet points, etc </a:t>
             </a:r>
           </a:p>
           <a:p>
@@ -4823,53 +4829,32 @@
           <a:p>
             <a:r>
               <a:rPr lang="en-US" dirty="0" smtClean="0"/>
-              <a:t>Similar to Design Patterns in </a:t>
-            </a:r>
-            <a:r>
-              <a:rPr lang="en-US" dirty="0" smtClean="0"/>
-              <a:t>s</a:t>
-            </a:r>
-            <a:r>
-              <a:rPr lang="en-US" dirty="0" smtClean="0"/>
-              <a:t>oftware engineering.</a:t>
-            </a:r>
-          </a:p>
-          <a:p>
-            <a:endParaRPr lang="en-US" dirty="0" smtClean="0"/>
-          </a:p>
-          <a:p>
-            <a:r>
-              <a:rPr lang="en-US" dirty="0" smtClean="0"/>
-              <a:t>R</a:t>
-            </a:r>
-            <a:r>
-              <a:rPr lang="en-US" dirty="0" smtClean="0"/>
-              <a:t>ead papers in journals in your field.</a:t>
-            </a:r>
-          </a:p>
-          <a:p>
-            <a:r>
-              <a:rPr lang="en-US" dirty="0" smtClean="0"/>
-              <a:t>	</a:t>
-            </a:r>
-            <a:r>
-              <a:rPr lang="en-US" dirty="0" smtClean="0"/>
-              <a:t>How are they framing their arguments?</a:t>
-            </a:r>
-          </a:p>
-          <a:p>
-            <a:endParaRPr lang="en-US" dirty="0" smtClean="0"/>
-          </a:p>
-          <a:p>
-            <a:r>
-              <a:rPr lang="en-US" dirty="0" smtClean="0"/>
-              <a:t>	Claim: There are a finite number of strategies for each field. ... (?)</a:t>
-            </a:r>
-          </a:p>
-          <a:p>
-            <a:endParaRPr lang="en-US" dirty="0" smtClean="0"/>
-          </a:p>
-          <a:p>
+              <a:t>For </a:t>
+            </a:r>
+            <a:r>
+              <a:rPr lang="en-US" dirty="0" smtClean="0"/>
+              <a:t>the people who are not presenting, evaluate them according to different criteria and explain why you think that criteria is important. </a:t>
+            </a:r>
+            <a:r>
+              <a:rPr lang="en-US" dirty="0" smtClean="0"/>
+              <a:t> </a:t>
+            </a:r>
+            <a:r>
+              <a:rPr lang="en-US" dirty="0" err="1" smtClean="0"/>
+              <a:t>e,g</a:t>
+            </a:r>
+            <a:r>
+              <a:rPr lang="en-US" dirty="0" smtClean="0"/>
+              <a:t>.. </a:t>
+            </a:r>
+            <a:r>
+              <a:rPr lang="en-US" dirty="0" smtClean="0"/>
+              <a:t>relevance, creativity, originality, concept, clarity, speaking</a:t>
+            </a:r>
+            <a:r>
+              <a:rPr lang="en-US" dirty="0" smtClean="0"/>
+              <a:t> prowess... These will be anonymous, btw</a:t>
+            </a:r>
             <a:endParaRPr lang="en-US" dirty="0"/>
           </a:p>
         </p:txBody>
@@ -4943,16 +4928,59 @@
           <a:bodyPr/>
           <a:lstStyle/>
           <a:p>
+            <a:r>
+              <a:rPr lang="en-US" dirty="0" smtClean="0"/>
+              <a:t>Patterns of presentation...</a:t>
+            </a:r>
+          </a:p>
+          <a:p>
             <a:endParaRPr lang="en-US" dirty="0" smtClean="0"/>
           </a:p>
           <a:p>
             <a:r>
               <a:rPr lang="en-US" dirty="0" smtClean="0"/>
-              <a:t>Homework: skim/read a number of articles and try to identify as many "paper patterns" as you can. Look for overarching patterns as well as specific patterns. Why are these patterns used? Are they effective?</a:t>
+              <a:t>Similar to Design Patterns in </a:t>
+            </a:r>
+            <a:r>
+              <a:rPr lang="en-US" dirty="0" smtClean="0"/>
+              <a:t>s</a:t>
+            </a:r>
+            <a:r>
+              <a:rPr lang="en-US" dirty="0" smtClean="0"/>
+              <a:t>oftware engineering.</a:t>
             </a:r>
           </a:p>
           <a:p>
             <a:endParaRPr lang="en-US" dirty="0" smtClean="0"/>
+          </a:p>
+          <a:p>
+            <a:r>
+              <a:rPr lang="en-US" dirty="0" smtClean="0"/>
+              <a:t>R</a:t>
+            </a:r>
+            <a:r>
+              <a:rPr lang="en-US" dirty="0" smtClean="0"/>
+              <a:t>ead papers in journals in your field.</a:t>
+            </a:r>
+          </a:p>
+          <a:p>
+            <a:r>
+              <a:rPr lang="en-US" dirty="0" smtClean="0"/>
+              <a:t>	</a:t>
+            </a:r>
+            <a:r>
+              <a:rPr lang="en-US" dirty="0" smtClean="0"/>
+              <a:t>How are they framing their arguments?</a:t>
+            </a:r>
+          </a:p>
+          <a:p>
+            <a:endParaRPr lang="en-US" dirty="0" smtClean="0"/>
+          </a:p>
+          <a:p>
+            <a:r>
+              <a:rPr lang="en-US" dirty="0" smtClean="0"/>
+              <a:t>	Claim: There are a finite number of strategies for each field. ... (?)</a:t>
+            </a:r>
           </a:p>
           <a:p>
             <a:endParaRPr lang="en-US" dirty="0" smtClean="0"/>
@@ -5036,34 +5064,7 @@
           <a:p>
             <a:r>
               <a:rPr lang="en-US" dirty="0" smtClean="0"/>
-              <a:t>Example of overarching pattern: Prototype project as example of potentially interesting research.</a:t>
-            </a:r>
-          </a:p>
-          <a:p>
-            <a:endParaRPr lang="en-US" dirty="0" smtClean="0"/>
-          </a:p>
-          <a:p>
-            <a:r>
-              <a:rPr lang="en-US" dirty="0" smtClean="0"/>
-              <a:t>Why effective? </a:t>
-            </a:r>
-          </a:p>
-          <a:p>
-            <a:endParaRPr lang="en-US" dirty="0" smtClean="0"/>
-          </a:p>
-          <a:p>
-            <a:r>
-              <a:rPr lang="en-US" dirty="0" smtClean="0"/>
-              <a:t>shows that your work is important to other people, has a scope beyond a particular project.</a:t>
-            </a:r>
-          </a:p>
-          <a:p>
-            <a:endParaRPr lang="en-US" dirty="0" smtClean="0"/>
-          </a:p>
-          <a:p>
-            <a:r>
-              <a:rPr lang="en-US" dirty="0" smtClean="0"/>
-              <a:t>takes pressure off of the project details -- it's just an intriguing prototype...</a:t>
+              <a:t>Homework: skim/read a number of articles and try to identify as many "paper patterns" as you can. Look for overarching patterns as well as specific patterns. Why are these patterns used? Are they effective?</a:t>
             </a:r>
           </a:p>
           <a:p>
@@ -5256,7 +5257,7 @@
           <a:p>
             <a:r>
               <a:rPr lang="en-US" dirty="0" smtClean="0"/>
-              <a:t>Example of specific pattern: Citing previous work and then subtly disparaging it as not being relevant to an important task.</a:t>
+              <a:t>Example of overarching pattern: Prototype project as example of potentially interesting research.</a:t>
             </a:r>
           </a:p>
           <a:p>
@@ -5274,29 +5275,17 @@
           <a:p>
             <a:r>
               <a:rPr lang="en-US" dirty="0" smtClean="0"/>
-              <a:t>Shows you are familiar with the field. </a:t>
-            </a:r>
-          </a:p>
-          <a:p>
-            <a:r>
-              <a:rPr lang="en-US" dirty="0" smtClean="0"/>
-              <a:t>Shows that know why specifically your work is important.</a:t>
-            </a:r>
-          </a:p>
-          <a:p>
-            <a:r>
-              <a:rPr lang="en-US" dirty="0" smtClean="0"/>
-              <a:t>Raises expectations that you will demonstrate relevance.</a:t>
-            </a:r>
-          </a:p>
-          <a:p>
-            <a:r>
-              <a:rPr lang="en-US" dirty="0" smtClean="0"/>
-              <a:t>Creates a narrative interest via implied conflict. (?)</a:t>
+              <a:t>shows that your work is important to other people, has a scope beyond a particular project.</a:t>
             </a:r>
           </a:p>
           <a:p>
             <a:endParaRPr lang="en-US" dirty="0" smtClean="0"/>
+          </a:p>
+          <a:p>
+            <a:r>
+              <a:rPr lang="en-US" dirty="0" smtClean="0"/>
+              <a:t>takes pressure off of the project details -- it's just an intriguing prototype...</a:t>
+            </a:r>
           </a:p>
           <a:p>
             <a:endParaRPr lang="en-US" dirty="0" smtClean="0"/>
@@ -5378,38 +5367,12 @@
           <a:bodyPr/>
           <a:lstStyle/>
           <a:p>
-            <a:r>
-              <a:rPr lang="en-US" dirty="0" smtClean="0"/>
-              <a:t>In Rhetorical Analysis there is the dual concept of </a:t>
-            </a:r>
-          </a:p>
-          <a:p>
             <a:endParaRPr lang="en-US" dirty="0" smtClean="0"/>
           </a:p>
           <a:p>
             <a:r>
               <a:rPr lang="en-US" dirty="0" smtClean="0"/>
-              <a:t>making a </a:t>
-            </a:r>
-            <a:r>
-              <a:rPr lang="en-US" i="1" dirty="0" smtClean="0"/>
-              <a:t>claim</a:t>
-            </a:r>
-          </a:p>
-          <a:p>
-            <a:r>
-              <a:rPr lang="en-US" dirty="0" smtClean="0"/>
-              <a:t>      which implies </a:t>
-            </a:r>
-          </a:p>
-          <a:p>
-            <a:r>
-              <a:rPr lang="en-US" dirty="0" smtClean="0"/>
-              <a:t>          a </a:t>
-            </a:r>
-            <a:r>
-              <a:rPr lang="en-US" i="1" dirty="0" smtClean="0"/>
-              <a:t>burden of proof</a:t>
+              <a:t>Example of specific pattern: Citing previous work and then subtly disparaging it as not being relevant to an important task.</a:t>
             </a:r>
           </a:p>
           <a:p>
@@ -5418,13 +5381,7 @@
           <a:p>
             <a:r>
               <a:rPr lang="en-US" dirty="0" smtClean="0"/>
-              <a:t>What claims are you making? </a:t>
-            </a:r>
-          </a:p>
-          <a:p>
-            <a:r>
-              <a:rPr lang="en-US" dirty="0" smtClean="0"/>
-              <a:t>Why should people care about them?</a:t>
+              <a:t>Why effective? </a:t>
             </a:r>
           </a:p>
           <a:p>
@@ -5433,8 +5390,35 @@
           <a:p>
             <a:r>
               <a:rPr lang="en-US" dirty="0" smtClean="0"/>
-              <a:t>How can you back them up?</a:t>
-            </a:r>
+              <a:t>Shows you are familiar with the field. </a:t>
+            </a:r>
+          </a:p>
+          <a:p>
+            <a:r>
+              <a:rPr lang="en-US" dirty="0" smtClean="0"/>
+              <a:t>Shows that know why specifically your work is important.</a:t>
+            </a:r>
+          </a:p>
+          <a:p>
+            <a:r>
+              <a:rPr lang="en-US" dirty="0" smtClean="0"/>
+              <a:t>Raises expectations that you will demonstrate relevance.</a:t>
+            </a:r>
+          </a:p>
+          <a:p>
+            <a:r>
+              <a:rPr lang="en-US" dirty="0" smtClean="0"/>
+              <a:t>Creates a narrative interest via implied conflict. (?)</a:t>
+            </a:r>
+          </a:p>
+          <a:p>
+            <a:endParaRPr lang="en-US" dirty="0" smtClean="0"/>
+          </a:p>
+          <a:p>
+            <a:endParaRPr lang="en-US" dirty="0" smtClean="0"/>
+          </a:p>
+          <a:p>
+            <a:endParaRPr lang="en-US" dirty="0" smtClean="0"/>
           </a:p>
           <a:p>
             <a:endParaRPr lang="en-US" dirty="0"/>
@@ -5512,68 +5496,61 @@
           <a:p>
             <a:r>
               <a:rPr lang="en-US" dirty="0" smtClean="0"/>
-              <a:t>empirical studies</a:t>
-            </a:r>
-          </a:p>
-          <a:p>
-            <a:r>
-              <a:rPr lang="en-US" dirty="0" smtClean="0"/>
-              <a:t>logic</a:t>
-            </a:r>
-          </a:p>
-          <a:p>
-            <a:r>
-              <a:rPr lang="en-US" dirty="0" smtClean="0"/>
-              <a:t>quotes, citations</a:t>
-            </a:r>
-          </a:p>
-          <a:p>
-            <a:r>
-              <a:rPr lang="en-US" dirty="0" smtClean="0"/>
-              <a:t>charts</a:t>
-            </a:r>
-          </a:p>
-          <a:p>
-            <a:r>
-              <a:rPr lang="en-US" dirty="0" smtClean="0"/>
-              <a:t>images</a:t>
-            </a:r>
-          </a:p>
-          <a:p>
-            <a:r>
-              <a:rPr lang="en-US" dirty="0" smtClean="0"/>
-              <a:t>language tone (formal, jargon, amusing... etc)</a:t>
-            </a:r>
-          </a:p>
-          <a:p>
-            <a:r>
-              <a:rPr lang="en-US" dirty="0" smtClean="0"/>
-              <a:t>compare/contrast</a:t>
-            </a:r>
-          </a:p>
-          <a:p>
-            <a:r>
-              <a:rPr lang="en-US" dirty="0" smtClean="0"/>
-              <a:t>breadth/depth of analysis</a:t>
-            </a:r>
-          </a:p>
-          <a:p>
-            <a:r>
-              <a:rPr lang="en-US" dirty="0" smtClean="0"/>
-              <a:t>analogy, metaphor</a:t>
-            </a:r>
-          </a:p>
-          <a:p>
-            <a:r>
-              <a:rPr lang="en-US" dirty="0" smtClean="0"/>
-              <a:t>etc...</a:t>
+              <a:t>In Rhetorical Analysis there is the dual concept of </a:t>
             </a:r>
           </a:p>
           <a:p>
             <a:endParaRPr lang="en-US" dirty="0" smtClean="0"/>
           </a:p>
           <a:p>
+            <a:r>
+              <a:rPr lang="en-US" dirty="0" smtClean="0"/>
+              <a:t>making a </a:t>
+            </a:r>
+            <a:r>
+              <a:rPr lang="en-US" i="1" dirty="0" smtClean="0"/>
+              <a:t>claim</a:t>
+            </a:r>
+          </a:p>
+          <a:p>
+            <a:r>
+              <a:rPr lang="en-US" dirty="0" smtClean="0"/>
+              <a:t>      which implies </a:t>
+            </a:r>
+          </a:p>
+          <a:p>
+            <a:r>
+              <a:rPr lang="en-US" dirty="0" smtClean="0"/>
+              <a:t>          a </a:t>
+            </a:r>
+            <a:r>
+              <a:rPr lang="en-US" i="1" dirty="0" smtClean="0"/>
+              <a:t>burden of proof</a:t>
+            </a:r>
+          </a:p>
+          <a:p>
             <a:endParaRPr lang="en-US" dirty="0" smtClean="0"/>
+          </a:p>
+          <a:p>
+            <a:r>
+              <a:rPr lang="en-US" dirty="0" smtClean="0"/>
+              <a:t>What claims are you making? </a:t>
+            </a:r>
+          </a:p>
+          <a:p>
+            <a:r>
+              <a:rPr lang="en-US" dirty="0" smtClean="0"/>
+              <a:t>Why should people care about them?</a:t>
+            </a:r>
+          </a:p>
+          <a:p>
+            <a:endParaRPr lang="en-US" dirty="0" smtClean="0"/>
+          </a:p>
+          <a:p>
+            <a:r>
+              <a:rPr lang="en-US" dirty="0" smtClean="0"/>
+              <a:t>How can you back them up?</a:t>
+            </a:r>
           </a:p>
           <a:p>
             <a:endParaRPr lang="en-US" dirty="0"/>
@@ -5651,42 +5628,70 @@
           <a:p>
             <a:r>
               <a:rPr lang="en-US" dirty="0" smtClean="0"/>
-              <a:t>Homework</a:t>
+              <a:t>empirical studies</a:t>
+            </a:r>
+          </a:p>
+          <a:p>
+            <a:r>
+              <a:rPr lang="en-US" dirty="0" smtClean="0"/>
+              <a:t>logic</a:t>
+            </a:r>
+          </a:p>
+          <a:p>
+            <a:r>
+              <a:rPr lang="en-US" dirty="0" smtClean="0"/>
+              <a:t>quotes, citations</a:t>
+            </a:r>
+          </a:p>
+          <a:p>
+            <a:r>
+              <a:rPr lang="en-US" dirty="0" smtClean="0"/>
+              <a:t>charts</a:t>
+            </a:r>
+          </a:p>
+          <a:p>
+            <a:r>
+              <a:rPr lang="en-US" dirty="0" smtClean="0"/>
+              <a:t>images</a:t>
+            </a:r>
+          </a:p>
+          <a:p>
+            <a:r>
+              <a:rPr lang="en-US" dirty="0" smtClean="0"/>
+              <a:t>language tone (formal, jargon, amusing... etc)</a:t>
+            </a:r>
+          </a:p>
+          <a:p>
+            <a:r>
+              <a:rPr lang="en-US" dirty="0" smtClean="0"/>
+              <a:t>compare/contrast</a:t>
+            </a:r>
+          </a:p>
+          <a:p>
+            <a:r>
+              <a:rPr lang="en-US" dirty="0" smtClean="0"/>
+              <a:t>breadth/depth of analysis</a:t>
+            </a:r>
+          </a:p>
+          <a:p>
+            <a:r>
+              <a:rPr lang="en-US" dirty="0" smtClean="0"/>
+              <a:t>analogy, metaphor</a:t>
+            </a:r>
+          </a:p>
+          <a:p>
+            <a:r>
+              <a:rPr lang="en-US" dirty="0" smtClean="0"/>
+              <a:t>etc...</a:t>
             </a:r>
           </a:p>
           <a:p>
             <a:endParaRPr lang="en-US" dirty="0" smtClean="0"/>
           </a:p>
           <a:p>
-            <a:r>
-              <a:rPr lang="en-US" dirty="0" smtClean="0"/>
-              <a:t>1) find 10 "paper patterns" (both general and specific) from articles of your choice in fields you are interested in. Write a blog post describing them. Are they effective? Why or why not? Are they common? Are they only found in particular kinds of papers or particular fields? Cite and link to the papers you've skimmed/read.</a:t>
-            </a:r>
-          </a:p>
-          <a:p>
             <a:endParaRPr lang="en-US" dirty="0" smtClean="0"/>
           </a:p>
           <a:p>
-            <a:r>
-              <a:rPr lang="en-US" dirty="0" smtClean="0"/>
-              <a:t>1b) Bring to class 3 interesting papers that are less than 10 pages each. Print them out on PAPER and provide LINKS to a complete digital copy (</a:t>
-            </a:r>
-            <a:r>
-              <a:rPr lang="en-US" dirty="0" err="1" smtClean="0"/>
-              <a:t>ie</a:t>
-            </a:r>
-            <a:r>
-              <a:rPr lang="en-US" dirty="0" smtClean="0"/>
-              <a:t>, not behind a </a:t>
-            </a:r>
-            <a:r>
-              <a:rPr lang="en-US" dirty="0" err="1" smtClean="0"/>
-              <a:t>paywall</a:t>
-            </a:r>
-            <a:r>
-              <a:rPr lang="en-US" dirty="0" smtClean="0"/>
-              <a:t>). </a:t>
-            </a:r>
             <a:endParaRPr lang="en-US" dirty="0"/>
           </a:p>
         </p:txBody>
@@ -5766,41 +5771,39 @@
             </a:r>
           </a:p>
           <a:p>
-            <a:r>
-              <a:rPr lang="en-US" dirty="0" smtClean="0"/>
-              <a:t>2) Use your analytical skills to uncover the implicit or explicit philosophies of a particular author of an article. What is important/meaningful to the </a:t>
+            <a:endParaRPr lang="en-US" dirty="0" smtClean="0"/>
+          </a:p>
+          <a:p>
+            <a:r>
+              <a:rPr lang="en-US" dirty="0" smtClean="0"/>
+              <a:t>1) find 10 "paper patterns" (both general and specific) from articles of your choice in fields you are interested in. Write a blog post describing them. Are they effective? Why or why not? Are they common? Are they only found in particular kinds of papers or particular fields? Cite and link to the papers you've skimmed/read.</a:t>
+            </a:r>
+          </a:p>
+          <a:p>
+            <a:endParaRPr lang="en-US" dirty="0" smtClean="0"/>
+          </a:p>
+          <a:p>
+            <a:r>
+              <a:rPr lang="en-US" dirty="0" smtClean="0"/>
+              <a:t>1b) Bring to class 3 interesting papers that are less than 10 pages each. Print them out on PAPER and provide LINKS to a complete digital copy (</a:t>
             </a:r>
             <a:r>
               <a:rPr lang="en-US" dirty="0" err="1" smtClean="0"/>
-              <a:t>author(s</a:t>
-            </a:r>
-            <a:r>
-              <a:rPr lang="en-US" dirty="0" smtClean="0"/>
-              <a:t>)? Why are they important/meaningful to the </a:t>
+              <a:t>ie</a:t>
+            </a:r>
+            <a:r>
+              <a:rPr lang="en-US" dirty="0" smtClean="0"/>
+              <a:t>, not behind a </a:t>
             </a:r>
             <a:r>
               <a:rPr lang="en-US" dirty="0" err="1" smtClean="0"/>
-              <a:t>author(s</a:t>
-            </a:r>
-            <a:r>
-              <a:rPr lang="en-US" dirty="0" smtClean="0"/>
-              <a:t>)? </a:t>
-            </a:r>
-          </a:p>
-          <a:p>
-            <a:r>
-              <a:rPr lang="en-US" dirty="0" smtClean="0"/>
-              <a:t>Where in the article do you find it? What citations support your findings? What is the relationship between the philosophy and the field in general?</a:t>
-            </a:r>
-          </a:p>
-          <a:p>
-            <a:r>
-              <a:rPr lang="en-US" dirty="0" smtClean="0"/>
-              <a:t>Do you agree with the "tenets" of the author's outlook?</a:t>
-            </a:r>
-          </a:p>
-          <a:p>
-            <a:endParaRPr lang="en-US" dirty="0" smtClean="0"/>
+              <a:t>paywall</a:t>
+            </a:r>
+            <a:r>
+              <a:rPr lang="en-US" dirty="0" smtClean="0"/>
+              <a:t>). </a:t>
+            </a:r>
+            <a:endParaRPr lang="en-US" dirty="0"/>
           </a:p>
         </p:txBody>
       </p:sp>
@@ -5875,6 +5878,119 @@
           <a:p>
             <a:r>
               <a:rPr lang="en-US" dirty="0" smtClean="0"/>
+              <a:t>Homework</a:t>
+            </a:r>
+          </a:p>
+          <a:p>
+            <a:r>
+              <a:rPr lang="en-US" dirty="0" smtClean="0"/>
+              <a:t>2) Use your analytical skills to uncover the implicit or explicit philosophies of a particular author of an article. What is important/meaningful to the </a:t>
+            </a:r>
+            <a:r>
+              <a:rPr lang="en-US" dirty="0" err="1" smtClean="0"/>
+              <a:t>author(s</a:t>
+            </a:r>
+            <a:r>
+              <a:rPr lang="en-US" dirty="0" smtClean="0"/>
+              <a:t>)? Why are they important/meaningful to the </a:t>
+            </a:r>
+            <a:r>
+              <a:rPr lang="en-US" dirty="0" err="1" smtClean="0"/>
+              <a:t>author(s</a:t>
+            </a:r>
+            <a:r>
+              <a:rPr lang="en-US" dirty="0" smtClean="0"/>
+              <a:t>)? </a:t>
+            </a:r>
+          </a:p>
+          <a:p>
+            <a:r>
+              <a:rPr lang="en-US" dirty="0" smtClean="0"/>
+              <a:t>Where in the article do you find it? What citations support your findings? What is the relationship between the philosophy and the field in general?</a:t>
+            </a:r>
+          </a:p>
+          <a:p>
+            <a:r>
+              <a:rPr lang="en-US" dirty="0" smtClean="0"/>
+              <a:t>Do you agree with the "tenets" of the author's outlook?</a:t>
+            </a:r>
+          </a:p>
+          <a:p>
+            <a:endParaRPr lang="en-US" dirty="0" smtClean="0"/>
+          </a:p>
+        </p:txBody>
+      </p:sp>
+    </p:spTree>
+  </p:cSld>
+  <p:clrMapOvr>
+    <a:masterClrMapping/>
+  </p:clrMapOvr>
+  <p:transition spd="slow" advClick="0" advTm="3000">
+    <p:fade/>
+  </p:transition>
+  <p:timing>
+    <p:tnLst>
+      <p:par>
+        <p:cTn id="1" dur="indefinite" restart="never" nodeType="tmRoot"/>
+      </p:par>
+    </p:tnLst>
+  </p:timing>
+</p:sld>
+</file>
+
+<file path=ppt/slides/slide26.xml><?xml version="1.0" encoding="utf-8"?>
+<p:sld xmlns:a="http://schemas.openxmlformats.org/drawingml/2006/main" xmlns:r="http://schemas.openxmlformats.org/officeDocument/2006/relationships" xmlns:mc="http://schemas.openxmlformats.org/markup-compatibility/2006" xmlns:mv="urn:schemas-microsoft-com:mac:vml" xmlns:p="http://schemas.openxmlformats.org/presentationml/2006/main" mc:Ignorable="mv" mc:PreserveAttributes="mv:*">
+  <p:cSld>
+    <p:spTree>
+      <p:nvGrpSpPr>
+        <p:cNvPr id="1" name=""/>
+        <p:cNvGrpSpPr/>
+        <p:nvPr/>
+      </p:nvGrpSpPr>
+      <p:grpSpPr>
+        <a:xfrm>
+          <a:off x="0" y="0"/>
+          <a:ext cx="0" cy="0"/>
+          <a:chOff x="0" y="0"/>
+          <a:chExt cx="0" cy="0"/>
+        </a:xfrm>
+      </p:grpSpPr>
+      <p:sp>
+        <p:nvSpPr>
+          <p:cNvPr id="2" name="Title 1"/>
+          <p:cNvSpPr>
+            <a:spLocks noGrp="1"/>
+          </p:cNvSpPr>
+          <p:nvPr>
+            <p:ph type="title"/>
+          </p:nvPr>
+        </p:nvSpPr>
+        <p:spPr/>
+        <p:txBody>
+          <a:bodyPr/>
+          <a:lstStyle/>
+          <a:p>
+            <a:endParaRPr lang="en-US"/>
+          </a:p>
+        </p:txBody>
+      </p:sp>
+      <p:sp>
+        <p:nvSpPr>
+          <p:cNvPr id="3" name="Content Placeholder 2"/>
+          <p:cNvSpPr>
+            <a:spLocks noGrp="1"/>
+          </p:cNvSpPr>
+          <p:nvPr>
+            <p:ph idx="1"/>
+          </p:nvPr>
+        </p:nvSpPr>
+        <p:spPr/>
+        <p:txBody>
+          <a:bodyPr/>
+          <a:lstStyle/>
+          <a:p>
+            <a:r>
+              <a:rPr lang="en-US" dirty="0" smtClean="0"/>
               <a:t>Homework  2 cont) </a:t>
             </a:r>
           </a:p>
@@ -5976,7 +6092,7 @@
           <a:p>
             <a:r>
               <a:rPr lang="en-US" dirty="0" smtClean="0"/>
-              <a:t>1. Usually easier to start with a particular journal or particular article.</a:t>
+              <a:t>Usually easier to start with a particular journal or particular article.</a:t>
             </a:r>
           </a:p>
           <a:p>

--- a/slides/week2_day2.pptx
+++ b/slides/week2_day2.pptx
@@ -5,10 +5,10 @@
     <p:sldMasterId id="2147483648" r:id="rId1"/>
   </p:sldMasterIdLst>
   <p:notesMasterIdLst>
-    <p:notesMasterId r:id="rId28"/>
+    <p:notesMasterId r:id="rId16"/>
   </p:notesMasterIdLst>
   <p:handoutMasterIdLst>
-    <p:handoutMasterId r:id="rId29"/>
+    <p:handoutMasterId r:id="rId17"/>
   </p:handoutMasterIdLst>
   <p:sldIdLst>
     <p:sldId id="281" r:id="rId2"/>
@@ -17,26 +17,14 @@
     <p:sldId id="317" r:id="rId5"/>
     <p:sldId id="318" r:id="rId6"/>
     <p:sldId id="319" r:id="rId7"/>
-    <p:sldId id="321" r:id="rId8"/>
-    <p:sldId id="322" r:id="rId9"/>
-    <p:sldId id="323" r:id="rId10"/>
-    <p:sldId id="324" r:id="rId11"/>
-    <p:sldId id="325" r:id="rId12"/>
-    <p:sldId id="326" r:id="rId13"/>
-    <p:sldId id="327" r:id="rId14"/>
-    <p:sldId id="328" r:id="rId15"/>
-    <p:sldId id="330" r:id="rId16"/>
-    <p:sldId id="329" r:id="rId17"/>
-    <p:sldId id="315" r:id="rId18"/>
-    <p:sldId id="300" r:id="rId19"/>
-    <p:sldId id="301" r:id="rId20"/>
-    <p:sldId id="302" r:id="rId21"/>
-    <p:sldId id="303" r:id="rId22"/>
-    <p:sldId id="304" r:id="rId23"/>
-    <p:sldId id="305" r:id="rId24"/>
-    <p:sldId id="307" r:id="rId25"/>
-    <p:sldId id="308" r:id="rId26"/>
-    <p:sldId id="309" r:id="rId27"/>
+    <p:sldId id="322" r:id="rId8"/>
+    <p:sldId id="324" r:id="rId9"/>
+    <p:sldId id="325" r:id="rId10"/>
+    <p:sldId id="326" r:id="rId11"/>
+    <p:sldId id="327" r:id="rId12"/>
+    <p:sldId id="328" r:id="rId13"/>
+    <p:sldId id="329" r:id="rId14"/>
+    <p:sldId id="315" r:id="rId15"/>
   </p:sldIdLst>
   <p:sldSz cx="9144000" cy="6858000" type="screen4x3"/>
   <p:notesSz cx="6858000" cy="9144000"/>
@@ -221,7 +209,7 @@
             <a:fld id="{43DBBD18-6C88-F045-A73C-EAB7098132B3}" type="datetime1">
               <a:rPr lang="en-US" smtClean="0"/>
               <a:pPr/>
-              <a:t>4/12/11</a:t>
+              <a:t>4/19/11</a:t>
             </a:fld>
             <a:endParaRPr lang="en-US"/>
           </a:p>
@@ -384,7 +372,7 @@
             <a:fld id="{EAEF232E-3F8A-2D4B-A08F-882F821D32B7}" type="datetime1">
               <a:rPr lang="en-US" smtClean="0"/>
               <a:pPr/>
-              <a:t>4/12/11</a:t>
+              <a:t>4/19/11</a:t>
             </a:fld>
             <a:endParaRPr lang="en-US"/>
           </a:p>
@@ -3958,13 +3946,7 @@
           <a:p>
             <a:r>
               <a:rPr lang="en-US" dirty="0" smtClean="0"/>
-              <a:t>Exercise:</a:t>
-            </a:r>
-          </a:p>
-          <a:p>
-            <a:r>
-              <a:rPr lang="en-US" dirty="0" smtClean="0"/>
-              <a:t>1) Find the most respected journals &amp; conferences that discuss face tracking techniques. Provide examples of papers. </a:t>
+              <a:t>when you are reading a paper, you are learning about  specific research</a:t>
             </a:r>
           </a:p>
           <a:p>
@@ -3973,32 +3955,40 @@
           <a:p>
             <a:r>
               <a:rPr lang="en-US" dirty="0" smtClean="0"/>
-              <a:t>2) </a:t>
-            </a:r>
-            <a:r>
-              <a:rPr lang="en-US" dirty="0" smtClean="0"/>
-              <a:t>Find the most respected journals &amp; conferences that discuss</a:t>
-            </a:r>
-            <a:r>
-              <a:rPr lang="en-US" dirty="0" smtClean="0"/>
-              <a:t> surveillance in an artistic context. </a:t>
-            </a:r>
-            <a:r>
-              <a:rPr lang="en-US" dirty="0" smtClean="0"/>
-              <a:t>Provide examples of papers.</a:t>
-            </a:r>
+              <a:t>but also about how to present research effectively to a particular community</a:t>
+            </a:r>
+          </a:p>
+          <a:p>
             <a:endParaRPr lang="en-US" dirty="0" smtClean="0"/>
           </a:p>
           <a:p>
             <a:r>
               <a:rPr lang="en-US" dirty="0" smtClean="0"/>
-              <a:t> </a:t>
-            </a:r>
-          </a:p>
-          <a:p>
-            <a:r>
-              <a:rPr lang="en-US" dirty="0" smtClean="0"/>
-              <a:t>Can you identify important people in these fields? Can you identify interesting current trends? </a:t>
+              <a:t>about how to frame arguments</a:t>
+            </a:r>
+          </a:p>
+          <a:p>
+            <a:r>
+              <a:rPr lang="en-US" dirty="0" smtClean="0"/>
+              <a:t>about what arguments are worthwhile</a:t>
+            </a:r>
+          </a:p>
+          <a:p>
+            <a:r>
+              <a:rPr lang="en-US" dirty="0" smtClean="0"/>
+              <a:t>about what rhetorical strategies are appropriate</a:t>
+            </a:r>
+          </a:p>
+          <a:p>
+            <a:r>
+              <a:rPr lang="en-US" dirty="0" smtClean="0"/>
+              <a:t>about what research agendas are pursued</a:t>
+            </a:r>
+          </a:p>
+          <a:p>
+            <a:r>
+              <a:rPr lang="en-US" dirty="0" smtClean="0"/>
+              <a:t>etc, etc. </a:t>
             </a:r>
             <a:endParaRPr lang="en-US" dirty="0"/>
           </a:p>
@@ -4012,6 +4002,13 @@
   <p:transition spd="slow" advClick="0" advTm="3000">
     <p:fade/>
   </p:transition>
+  <p:timing>
+    <p:tnLst>
+      <p:par>
+        <p:cTn id="1" dur="indefinite" restart="never" nodeType="tmRoot"/>
+      </p:par>
+    </p:tnLst>
+  </p:timing>
 </p:sld>
 </file>
 
@@ -4047,7 +4044,11 @@
           <a:bodyPr/>
           <a:lstStyle/>
           <a:p>
-            <a:endParaRPr lang="en-US"/>
+            <a:r>
+              <a:rPr lang="en-US" dirty="0" smtClean="0"/>
+              <a:t>"Interpretive Summary"</a:t>
+            </a:r>
+            <a:endParaRPr lang="en-US" dirty="0"/>
           </a:p>
         </p:txBody>
       </p:sp>
@@ -4063,59 +4064,79 @@
         </p:nvSpPr>
         <p:spPr/>
         <p:txBody>
-          <a:bodyPr/>
-          <a:lstStyle/>
-          <a:p>
-            <a:r>
-              <a:rPr lang="en-US" dirty="0" smtClean="0"/>
-              <a:t>Exercise:</a:t>
-            </a:r>
-          </a:p>
-          <a:p>
-            <a:endParaRPr lang="en-US" dirty="0" smtClean="0"/>
-          </a:p>
-          <a:p>
-            <a:r>
-              <a:rPr lang="en-US" dirty="0" smtClean="0"/>
-              <a:t>Best Papers...</a:t>
-            </a:r>
-          </a:p>
-          <a:p>
-            <a:endParaRPr lang="en-US" dirty="0" smtClean="0"/>
-          </a:p>
-          <a:p>
-            <a:r>
-              <a:rPr lang="en-US" dirty="0" smtClean="0"/>
-              <a:t>interpretive summarization:</a:t>
-            </a:r>
-          </a:p>
-          <a:p>
-            <a:r>
-              <a:rPr lang="en-US" dirty="0" smtClean="0"/>
-              <a:t>	factual - information relevant to you</a:t>
-            </a:r>
-          </a:p>
-          <a:p>
-            <a:r>
-              <a:rPr lang="en-US" dirty="0" smtClean="0"/>
-              <a:t>	rhetorical - "paper patterns"</a:t>
-            </a:r>
-          </a:p>
-          <a:p>
-            <a:endParaRPr lang="en-US" dirty="0" smtClean="0"/>
-          </a:p>
-          <a:p>
-            <a:r>
-              <a:rPr lang="en-US" dirty="0" smtClean="0"/>
-              <a:t>summarize the most important parts that are potentially relevant to your research. contextualize it in terms of your own research agendas.</a:t>
-            </a:r>
-          </a:p>
-          <a:p>
-            <a:r>
-              <a:rPr lang="en-US" dirty="0" smtClean="0"/>
-              <a:t>	</a:t>
-            </a:r>
-            <a:endParaRPr lang="en-US" dirty="0"/>
+          <a:bodyPr>
+            <a:normAutofit/>
+          </a:bodyPr>
+          <a:lstStyle/>
+          <a:p>
+            <a:r>
+              <a:rPr lang="en-US" sz="2000" dirty="0" smtClean="0"/>
+              <a:t>1. Skim the paper</a:t>
+            </a:r>
+          </a:p>
+          <a:p>
+            <a:r>
+              <a:rPr lang="en-US" sz="2000" dirty="0" smtClean="0"/>
+              <a:t>	find or make up some relationship between your work and the paper.</a:t>
+            </a:r>
+          </a:p>
+          <a:p>
+            <a:endParaRPr lang="en-US" sz="2000" dirty="0" smtClean="0"/>
+          </a:p>
+          <a:p>
+            <a:r>
+              <a:rPr lang="en-US" sz="2000" dirty="0" smtClean="0"/>
+              <a:t>2. Find "Paper Patterns"</a:t>
+            </a:r>
+          </a:p>
+          <a:p>
+            <a:r>
+              <a:rPr lang="en-US" sz="2000" dirty="0" smtClean="0"/>
+              <a:t>	identify general and specific patterns used in the paper to make arguments</a:t>
+            </a:r>
+          </a:p>
+          <a:p>
+            <a:endParaRPr lang="en-US" sz="2000" dirty="0" smtClean="0"/>
+          </a:p>
+          <a:p>
+            <a:r>
+              <a:rPr lang="en-US" sz="2000" dirty="0" smtClean="0"/>
+              <a:t>3. Interpretive Summary</a:t>
+            </a:r>
+          </a:p>
+          <a:p>
+            <a:r>
+              <a:rPr lang="en-US" sz="2000" dirty="0" smtClean="0"/>
+              <a:t>	write a summary of both the interesting points and of the broader research techniques and how they relate to your work.</a:t>
+            </a:r>
+          </a:p>
+          <a:p>
+            <a:endParaRPr lang="en-US" sz="2000" dirty="0" smtClean="0"/>
+          </a:p>
+          <a:p>
+            <a:r>
+              <a:rPr lang="en-US" sz="2000" dirty="0" smtClean="0"/>
+              <a:t>	why would you cite this paper and what parts would you cite?</a:t>
+            </a:r>
+          </a:p>
+          <a:p>
+            <a:r>
+              <a:rPr lang="en-US" sz="2000" dirty="0" smtClean="0"/>
+              <a:t>	what questions do you have? </a:t>
+            </a:r>
+          </a:p>
+          <a:p>
+            <a:r>
+              <a:rPr lang="en-US" sz="2000" dirty="0" smtClean="0"/>
+              <a:t>	what do you understand or do not understand?</a:t>
+            </a:r>
+          </a:p>
+          <a:p>
+            <a:r>
+              <a:rPr lang="en-US" sz="2000" dirty="0" smtClean="0"/>
+              <a:t>	how do you evaluate the paper's conclusions and main points (using multiple evaluation metrics)? </a:t>
+            </a:r>
+            <a:endParaRPr lang="en-US" sz="2000" dirty="0"/>
           </a:p>
         </p:txBody>
       </p:sp>
@@ -4127,6 +4148,13 @@
   <p:transition spd="slow" advClick="0" advTm="3000">
     <p:fade/>
   </p:transition>
+  <p:timing>
+    <p:tnLst>
+      <p:par>
+        <p:cTn id="1" dur="indefinite" restart="never" nodeType="tmRoot"/>
+      </p:par>
+    </p:tnLst>
+  </p:timing>
 </p:sld>
 </file>
 
@@ -4162,7 +4190,14 @@
           <a:bodyPr/>
           <a:lstStyle/>
           <a:p>
-            <a:endParaRPr lang="en-US"/>
+            <a:r>
+              <a:rPr lang="en-US" dirty="0" smtClean="0"/>
+              <a:t>Homework (due next Thursday):</a:t>
+            </a:r>
+            <a:br>
+              <a:rPr lang="en-US" dirty="0" smtClean="0"/>
+            </a:br>
+            <a:endParaRPr lang="en-US" dirty="0"/>
           </a:p>
         </p:txBody>
       </p:sp>
@@ -4183,51 +4218,32 @@
           <a:p>
             <a:r>
               <a:rPr lang="en-US" dirty="0" smtClean="0"/>
-              <a:t>when you are reading a paper, you are learning about  specific research</a:t>
-            </a:r>
-          </a:p>
-          <a:p>
-            <a:endParaRPr lang="en-US" dirty="0" smtClean="0"/>
-          </a:p>
-          <a:p>
-            <a:r>
-              <a:rPr lang="en-US" dirty="0" smtClean="0"/>
-              <a:t>but also about how to present research effectively to a particular community</a:t>
-            </a:r>
-          </a:p>
-          <a:p>
-            <a:endParaRPr lang="en-US" dirty="0" smtClean="0"/>
-          </a:p>
-          <a:p>
-            <a:r>
-              <a:rPr lang="en-US" dirty="0" smtClean="0"/>
-              <a:t>about how to frame arguments</a:t>
-            </a:r>
-          </a:p>
-          <a:p>
-            <a:r>
-              <a:rPr lang="en-US" dirty="0" smtClean="0"/>
-              <a:t>about what arguments are worthwhile</a:t>
-            </a:r>
-          </a:p>
-          <a:p>
-            <a:r>
-              <a:rPr lang="en-US" dirty="0" smtClean="0"/>
-              <a:t>about what rhetorical strategies are appropriate</a:t>
-            </a:r>
-          </a:p>
-          <a:p>
-            <a:r>
-              <a:rPr lang="en-US" dirty="0" smtClean="0"/>
-              <a:t>about what research agendas are pursued</a:t>
-            </a:r>
-          </a:p>
-          <a:p>
-            <a:r>
-              <a:rPr lang="en-US" dirty="0" smtClean="0"/>
-              <a:t>etc, etc. </a:t>
-            </a:r>
-            <a:endParaRPr lang="en-US" dirty="0"/>
+              <a:t>Interview 3 people from fields different than your own. ask each of them:</a:t>
+            </a:r>
+          </a:p>
+          <a:p>
+            <a:r>
+              <a:rPr lang="en-US" dirty="0" smtClean="0"/>
+              <a:t>1) to summarize their research</a:t>
+            </a:r>
+          </a:p>
+          <a:p>
+            <a:r>
+              <a:rPr lang="en-US" dirty="0" smtClean="0"/>
+              <a:t>2) why and how specifically their research is important, why they are passionate about it</a:t>
+            </a:r>
+          </a:p>
+          <a:p>
+            <a:r>
+              <a:rPr lang="en-US" dirty="0" smtClean="0"/>
+              <a:t>3) who the most important people in their fields are and why; who are interesting younger researchers and why</a:t>
+            </a:r>
+          </a:p>
+          <a:p>
+            <a:r>
+              <a:rPr lang="en-US" dirty="0" smtClean="0"/>
+              <a:t>4) what conference they go to or want to go to, what are the most prestigious journals/conferences in their field/sub-field </a:t>
+            </a:r>
           </a:p>
         </p:txBody>
       </p:sp>
@@ -4239,6 +4255,13 @@
   <p:transition spd="slow" advClick="0" advTm="3000">
     <p:fade/>
   </p:transition>
+  <p:timing>
+    <p:tnLst>
+      <p:par>
+        <p:cTn id="1" dur="indefinite" restart="never" nodeType="tmRoot"/>
+      </p:par>
+    </p:tnLst>
+  </p:timing>
 </p:sld>
 </file>
 
@@ -4274,7 +4297,11 @@
           <a:bodyPr/>
           <a:lstStyle/>
           <a:p>
-            <a:endParaRPr lang="en-US"/>
+            <a:r>
+              <a:rPr lang="en-US" dirty="0" smtClean="0"/>
+              <a:t>Homework (due Tuesday)</a:t>
+            </a:r>
+            <a:endParaRPr lang="en-US" dirty="0"/>
           </a:p>
         </p:txBody>
       </p:sp>
@@ -4290,87 +4317,39 @@
         </p:nvSpPr>
         <p:spPr/>
         <p:txBody>
-          <a:bodyPr>
-            <a:normAutofit/>
-          </a:bodyPr>
-          <a:lstStyle/>
-          <a:p>
-            <a:r>
-              <a:rPr lang="en-US" sz="2000" dirty="0" smtClean="0"/>
-              <a:t>1. Skim the paper</a:t>
-            </a:r>
-          </a:p>
-          <a:p>
-            <a:r>
-              <a:rPr lang="en-US" sz="2000" dirty="0" smtClean="0"/>
-              <a:t>	find or make up some relationship between your work and the paper.</a:t>
-            </a:r>
-          </a:p>
-          <a:p>
-            <a:endParaRPr lang="en-US" sz="2000" dirty="0" smtClean="0"/>
-          </a:p>
-          <a:p>
-            <a:r>
-              <a:rPr lang="en-US" sz="2000" dirty="0" smtClean="0"/>
-              <a:t>2. Find "Paper Patterns"</a:t>
-            </a:r>
-          </a:p>
-          <a:p>
-            <a:r>
-              <a:rPr lang="en-US" sz="2000" dirty="0" smtClean="0"/>
-              <a:t>	identify general and specific patterns used in the paper to make arguments</a:t>
-            </a:r>
-          </a:p>
-          <a:p>
-            <a:endParaRPr lang="en-US" sz="2000" dirty="0" smtClean="0"/>
-          </a:p>
-          <a:p>
-            <a:r>
-              <a:rPr lang="en-US" sz="2000" dirty="0" smtClean="0"/>
-              <a:t>3</a:t>
-            </a:r>
-            <a:r>
-              <a:rPr lang="en-US" sz="2000" dirty="0" smtClean="0"/>
-              <a:t>. Interpretive Summary</a:t>
-            </a:r>
-          </a:p>
-          <a:p>
-            <a:r>
-              <a:rPr lang="en-US" sz="2000" dirty="0" smtClean="0"/>
-              <a:t>	write a summary of both the interesting points and of the broader research techniques and how they relate to your work.</a:t>
-            </a:r>
-          </a:p>
-          <a:p>
-            <a:endParaRPr lang="en-US" sz="2000" dirty="0" smtClean="0"/>
-          </a:p>
-          <a:p>
-            <a:r>
-              <a:rPr lang="en-US" sz="2000" dirty="0" smtClean="0"/>
-              <a:t>	</a:t>
-            </a:r>
-            <a:r>
-              <a:rPr lang="en-US" sz="2000" dirty="0" smtClean="0"/>
-              <a:t>why would you cite this paper and what parts would you cite?</a:t>
-            </a:r>
-          </a:p>
-          <a:p>
-            <a:r>
-              <a:rPr lang="en-US" sz="2000" dirty="0" smtClean="0"/>
-              <a:t>	what questions do you have? </a:t>
-            </a:r>
-          </a:p>
-          <a:p>
-            <a:r>
-              <a:rPr lang="en-US" sz="2000" dirty="0" smtClean="0"/>
-              <a:t>	what do you understand or do not understand?</a:t>
-            </a:r>
-          </a:p>
-          <a:p>
-            <a:r>
-              <a:rPr lang="en-US" sz="2000" dirty="0" smtClean="0"/>
-              <a:t>	how do you evaluate the paper's conclusions and main points (using multiple evaluation metrics)? </a:t>
-            </a:r>
-            <a:endParaRPr lang="en-US" sz="2000" dirty="0"/>
+          <a:bodyPr/>
+          <a:lstStyle/>
+          <a:p>
+            <a:r>
+              <a:rPr lang="en-US" dirty="0" smtClean="0"/>
+              <a:t>Investigate possible journals that have </a:t>
+            </a:r>
+            <a:r>
+              <a:rPr lang="en-US" dirty="0" err="1" smtClean="0"/>
+              <a:t>CFPs</a:t>
+            </a:r>
+            <a:r>
+              <a:rPr lang="en-US" dirty="0" smtClean="0"/>
+              <a:t> within the time frame of this class.</a:t>
+            </a:r>
+          </a:p>
+          <a:p>
+            <a:r>
+              <a:rPr lang="en-US" dirty="0" smtClean="0"/>
+              <a:t> </a:t>
+            </a:r>
+          </a:p>
+          <a:p>
+            <a:r>
+              <a:rPr lang="en-US" dirty="0" smtClean="0"/>
+              <a:t>Post an entry about at least 3 of them, why they look interesting, why your work would be relevant to those audiences, i.e. evaluate them in relation to your own interests and research agendas.</a:t>
+            </a:r>
+          </a:p>
+          <a:p>
+            <a:endParaRPr lang="en-US" dirty="0" smtClean="0"/>
+          </a:p>
+          <a:p>
+            <a:endParaRPr lang="en-US" dirty="0"/>
           </a:p>
         </p:txBody>
       </p:sp>
@@ -4419,15 +4398,8 @@
           <a:p>
             <a:r>
               <a:rPr lang="en-US" dirty="0" smtClean="0"/>
-              <a:t>Homework (due next Thursday):</a:t>
-            </a:r>
-            <a:r>
-              <a:rPr lang="en-US" dirty="0" smtClean="0"/>
-              <a:t/>
-            </a:r>
-            <a:br>
-              <a:rPr lang="en-US" dirty="0" smtClean="0"/>
-            </a:br>
+              <a:t>Presentation Exercise</a:t>
+            </a:r>
             <a:endParaRPr lang="en-US" dirty="0"/>
           </a:p>
         </p:txBody>
@@ -4449,348 +4421,13 @@
           <a:p>
             <a:r>
               <a:rPr lang="en-US" dirty="0" smtClean="0"/>
-              <a:t>Interview 3 people from fields different than your own. </a:t>
-            </a:r>
-            <a:r>
-              <a:rPr lang="en-US" dirty="0" smtClean="0"/>
-              <a:t>ask</a:t>
-            </a:r>
-            <a:r>
-              <a:rPr lang="en-US" dirty="0" smtClean="0"/>
-              <a:t> each of them:</a:t>
-            </a:r>
-          </a:p>
-          <a:p>
-            <a:r>
-              <a:rPr lang="en-US" dirty="0" smtClean="0"/>
-              <a:t>1) to summarize their research</a:t>
-            </a:r>
-          </a:p>
-          <a:p>
-            <a:r>
-              <a:rPr lang="en-US" dirty="0" smtClean="0"/>
-              <a:t>2) why and how specifically their research is important, why they are passionate about it</a:t>
-            </a:r>
-          </a:p>
-          <a:p>
-            <a:r>
-              <a:rPr lang="en-US" dirty="0" smtClean="0"/>
-              <a:t>3) who the most important people in their fields are and why; who are interesting younger researchers and why</a:t>
-            </a:r>
-          </a:p>
-          <a:p>
-            <a:r>
-              <a:rPr lang="en-US" dirty="0" smtClean="0"/>
-              <a:t>4) what conference they go to or want to go to, what are the most prestigious journals/conferences in their field/sub-field </a:t>
-            </a:r>
-          </a:p>
-        </p:txBody>
-      </p:sp>
-    </p:spTree>
-  </p:cSld>
-  <p:clrMapOvr>
-    <a:masterClrMapping/>
-  </p:clrMapOvr>
-  <p:transition spd="slow" advClick="0" advTm="3000">
-    <p:fade/>
-  </p:transition>
-</p:sld>
-</file>
-
-<file path=ppt/slides/slide15.xml><?xml version="1.0" encoding="utf-8"?>
-<p:sld xmlns:a="http://schemas.openxmlformats.org/drawingml/2006/main" xmlns:r="http://schemas.openxmlformats.org/officeDocument/2006/relationships" xmlns:mc="http://schemas.openxmlformats.org/markup-compatibility/2006" xmlns:mv="urn:schemas-microsoft-com:mac:vml" xmlns:p="http://schemas.openxmlformats.org/presentationml/2006/main" mc:Ignorable="mv" mc:PreserveAttributes="mv:*">
-  <p:cSld>
-    <p:spTree>
-      <p:nvGrpSpPr>
-        <p:cNvPr id="1" name=""/>
-        <p:cNvGrpSpPr/>
-        <p:nvPr/>
-      </p:nvGrpSpPr>
-      <p:grpSpPr>
-        <a:xfrm>
-          <a:off x="0" y="0"/>
-          <a:ext cx="0" cy="0"/>
-          <a:chOff x="0" y="0"/>
-          <a:chExt cx="0" cy="0"/>
-        </a:xfrm>
-      </p:grpSpPr>
-      <p:sp>
-        <p:nvSpPr>
-          <p:cNvPr id="2" name="Title 1"/>
-          <p:cNvSpPr>
-            <a:spLocks noGrp="1"/>
-          </p:cNvSpPr>
-          <p:nvPr>
-            <p:ph type="title"/>
-          </p:nvPr>
-        </p:nvSpPr>
-        <p:spPr/>
-        <p:txBody>
-          <a:bodyPr/>
-          <a:lstStyle/>
-          <a:p>
-            <a:endParaRPr lang="en-US"/>
-          </a:p>
-        </p:txBody>
-      </p:sp>
-      <p:sp>
-        <p:nvSpPr>
-          <p:cNvPr id="3" name="Content Placeholder 2"/>
-          <p:cNvSpPr>
-            <a:spLocks noGrp="1"/>
-          </p:cNvSpPr>
-          <p:nvPr>
-            <p:ph idx="1"/>
-          </p:nvPr>
-        </p:nvSpPr>
-        <p:spPr/>
-        <p:txBody>
-          <a:bodyPr/>
-          <a:lstStyle/>
-          <a:p>
-            <a:r>
-              <a:rPr lang="en-US" dirty="0" smtClean="0"/>
-              <a:t>5)</a:t>
-            </a:r>
-            <a:r>
-              <a:rPr lang="en-US" dirty="0" smtClean="0"/>
-              <a:t> short </a:t>
-            </a:r>
-            <a:r>
-              <a:rPr lang="en-US" dirty="0" smtClean="0"/>
-              <a:t>(5-10 minute?)</a:t>
-            </a:r>
-            <a:r>
-              <a:rPr lang="en-US" dirty="0" smtClean="0"/>
-              <a:t> presentation.</a:t>
-            </a:r>
-          </a:p>
-          <a:p>
-            <a:endParaRPr lang="en-US" dirty="0" smtClean="0"/>
-          </a:p>
-          <a:p>
-            <a:r>
-              <a:rPr lang="en-US" dirty="0" smtClean="0"/>
-              <a:t>a) post a blog summarizing your interview, what you learned, what was interesting, etc.</a:t>
-            </a:r>
-          </a:p>
-          <a:p>
-            <a:endParaRPr lang="en-US" dirty="0" smtClean="0"/>
-          </a:p>
-          <a:p>
-            <a:r>
-              <a:rPr lang="en-US" dirty="0" err="1" smtClean="0"/>
-              <a:t>b</a:t>
-            </a:r>
-            <a:r>
-              <a:rPr lang="en-US" dirty="0" smtClean="0"/>
-              <a:t>) make video </a:t>
-            </a:r>
-            <a:r>
-              <a:rPr lang="en-US" dirty="0" smtClean="0"/>
-              <a:t>out of these interviews. only requirement: it must not be boring</a:t>
-            </a:r>
-            <a:r>
-              <a:rPr lang="en-US" dirty="0" smtClean="0"/>
-              <a:t>. doesn't have to be comprehensive, professional, be well-lit, etc. can just use one of the interviewees or all three. can include yourself or just the interviewees. </a:t>
-            </a:r>
-            <a:endParaRPr lang="en-US" dirty="0" smtClean="0"/>
-          </a:p>
-          <a:p>
-            <a:endParaRPr lang="en-US" dirty="0"/>
-          </a:p>
-        </p:txBody>
-      </p:sp>
-    </p:spTree>
-  </p:cSld>
-  <p:clrMapOvr>
-    <a:masterClrMapping/>
-  </p:clrMapOvr>
-  <p:transition spd="slow" advClick="0" advTm="3000">
-    <p:fade/>
-  </p:transition>
-</p:sld>
-</file>
-
-<file path=ppt/slides/slide16.xml><?xml version="1.0" encoding="utf-8"?>
-<p:sld xmlns:a="http://schemas.openxmlformats.org/drawingml/2006/main" xmlns:r="http://schemas.openxmlformats.org/officeDocument/2006/relationships" xmlns:mc="http://schemas.openxmlformats.org/markup-compatibility/2006" xmlns:mv="urn:schemas-microsoft-com:mac:vml" xmlns:p="http://schemas.openxmlformats.org/presentationml/2006/main" mc:Ignorable="mv" mc:PreserveAttributes="mv:*">
-  <p:cSld>
-    <p:spTree>
-      <p:nvGrpSpPr>
-        <p:cNvPr id="1" name=""/>
-        <p:cNvGrpSpPr/>
-        <p:nvPr/>
-      </p:nvGrpSpPr>
-      <p:grpSpPr>
-        <a:xfrm>
-          <a:off x="0" y="0"/>
-          <a:ext cx="0" cy="0"/>
-          <a:chOff x="0" y="0"/>
-          <a:chExt cx="0" cy="0"/>
-        </a:xfrm>
-      </p:grpSpPr>
-      <p:sp>
-        <p:nvSpPr>
-          <p:cNvPr id="2" name="Title 1"/>
-          <p:cNvSpPr>
-            <a:spLocks noGrp="1"/>
-          </p:cNvSpPr>
-          <p:nvPr>
-            <p:ph type="title"/>
-          </p:nvPr>
-        </p:nvSpPr>
-        <p:spPr/>
-        <p:txBody>
-          <a:bodyPr/>
-          <a:lstStyle/>
-          <a:p>
-            <a:r>
-              <a:rPr lang="en-US" dirty="0" smtClean="0"/>
-              <a:t>Homework (due Tuesday)</a:t>
-            </a:r>
-            <a:endParaRPr lang="en-US" dirty="0"/>
-          </a:p>
-        </p:txBody>
-      </p:sp>
-      <p:sp>
-        <p:nvSpPr>
-          <p:cNvPr id="3" name="Content Placeholder 2"/>
-          <p:cNvSpPr>
-            <a:spLocks noGrp="1"/>
-          </p:cNvSpPr>
-          <p:nvPr>
-            <p:ph idx="1"/>
-          </p:nvPr>
-        </p:nvSpPr>
-        <p:spPr/>
-        <p:txBody>
-          <a:bodyPr/>
-          <a:lstStyle/>
-          <a:p>
-            <a:r>
-              <a:rPr lang="en-US" dirty="0" smtClean="0"/>
-              <a:t>Investigate possible journals that have </a:t>
-            </a:r>
-            <a:r>
-              <a:rPr lang="en-US" dirty="0" err="1" smtClean="0"/>
-              <a:t>CFPs</a:t>
-            </a:r>
-            <a:r>
-              <a:rPr lang="en-US" dirty="0" smtClean="0"/>
-              <a:t> within the time frame of this class.</a:t>
-            </a:r>
-          </a:p>
-          <a:p>
-            <a:r>
-              <a:rPr lang="en-US" dirty="0" smtClean="0"/>
-              <a:t> </a:t>
-            </a:r>
-          </a:p>
-          <a:p>
-            <a:r>
-              <a:rPr lang="en-US" dirty="0" smtClean="0"/>
-              <a:t>Post </a:t>
-            </a:r>
-            <a:r>
-              <a:rPr lang="en-US" smtClean="0"/>
-              <a:t>an entry about </a:t>
-            </a:r>
-            <a:r>
-              <a:rPr lang="en-US" dirty="0" smtClean="0"/>
-              <a:t>at least 3 of them, why they look interesting, why your work would be relevant to those audiences, i.e. evaluate them in relation to your own interests and research agendas.</a:t>
-            </a:r>
-          </a:p>
-          <a:p>
-            <a:endParaRPr lang="en-US" dirty="0" smtClean="0"/>
-          </a:p>
-          <a:p>
-            <a:endParaRPr lang="en-US" dirty="0"/>
-          </a:p>
-        </p:txBody>
-      </p:sp>
-    </p:spTree>
-  </p:cSld>
-  <p:clrMapOvr>
-    <a:masterClrMapping/>
-  </p:clrMapOvr>
-  <p:transition spd="slow" advClick="0" advTm="3000">
-    <p:fade/>
-  </p:transition>
-</p:sld>
-</file>
-
-<file path=ppt/slides/slide17.xml><?xml version="1.0" encoding="utf-8"?>
-<p:sld xmlns:a="http://schemas.openxmlformats.org/drawingml/2006/main" xmlns:r="http://schemas.openxmlformats.org/officeDocument/2006/relationships" xmlns:mc="http://schemas.openxmlformats.org/markup-compatibility/2006" xmlns:mv="urn:schemas-microsoft-com:mac:vml" xmlns:p="http://schemas.openxmlformats.org/presentationml/2006/main" mc:Ignorable="mv" mc:PreserveAttributes="mv:*">
-  <p:cSld>
-    <p:spTree>
-      <p:nvGrpSpPr>
-        <p:cNvPr id="1" name=""/>
-        <p:cNvGrpSpPr/>
-        <p:nvPr/>
-      </p:nvGrpSpPr>
-      <p:grpSpPr>
-        <a:xfrm>
-          <a:off x="0" y="0"/>
-          <a:ext cx="0" cy="0"/>
-          <a:chOff x="0" y="0"/>
-          <a:chExt cx="0" cy="0"/>
-        </a:xfrm>
-      </p:grpSpPr>
-      <p:sp>
-        <p:nvSpPr>
-          <p:cNvPr id="2" name="Title 1"/>
-          <p:cNvSpPr>
-            <a:spLocks noGrp="1"/>
-          </p:cNvSpPr>
-          <p:nvPr>
-            <p:ph type="title"/>
-          </p:nvPr>
-        </p:nvSpPr>
-        <p:spPr/>
-        <p:txBody>
-          <a:bodyPr/>
-          <a:lstStyle/>
-          <a:p>
-            <a:r>
-              <a:rPr lang="en-US" dirty="0" smtClean="0"/>
-              <a:t>Presentation Exercise</a:t>
-            </a:r>
-            <a:endParaRPr lang="en-US" dirty="0"/>
-          </a:p>
-        </p:txBody>
-      </p:sp>
-      <p:sp>
-        <p:nvSpPr>
-          <p:cNvPr id="3" name="Content Placeholder 2"/>
-          <p:cNvSpPr>
-            <a:spLocks noGrp="1"/>
-          </p:cNvSpPr>
-          <p:nvPr>
-            <p:ph idx="1"/>
-          </p:nvPr>
-        </p:nvSpPr>
-        <p:spPr/>
-        <p:txBody>
-          <a:bodyPr/>
-          <a:lstStyle/>
-          <a:p>
-            <a:r>
-              <a:rPr lang="en-US" dirty="0" smtClean="0"/>
               <a:t> </a:t>
             </a:r>
           </a:p>
           <a:p>
             <a:r>
               <a:rPr lang="en-US" dirty="0" smtClean="0"/>
-              <a:t>10 </a:t>
-            </a:r>
-            <a:r>
-              <a:rPr lang="en-US" dirty="0" smtClean="0"/>
-              <a:t>minutes to prepare a 3-minute</a:t>
-            </a:r>
-            <a:r>
-              <a:rPr lang="en-US" dirty="0" smtClean="0"/>
-              <a:t> </a:t>
+              <a:t>10 minutes to prepare a 3-minute </a:t>
             </a:r>
             <a:r>
               <a:rPr lang="en-US" dirty="0" err="1" smtClean="0"/>
@@ -4804,23 +4441,7 @@
           <a:p>
             <a:r>
               <a:rPr lang="en-US" dirty="0" smtClean="0"/>
-              <a:t>		Your main point, Why </a:t>
-            </a:r>
-            <a:r>
-              <a:rPr lang="en-US" dirty="0" smtClean="0"/>
-              <a:t>it's </a:t>
-            </a:r>
-            <a:r>
-              <a:rPr lang="en-US" dirty="0" smtClean="0"/>
-              <a:t>important, Why </a:t>
-            </a:r>
-            <a:r>
-              <a:rPr lang="en-US" dirty="0" smtClean="0"/>
-              <a:t>audience should </a:t>
-            </a:r>
-            <a:r>
-              <a:rPr lang="en-US" dirty="0" smtClean="0"/>
-              <a:t>care, Quotes, Graphics, Bullet points, etc </a:t>
+              <a:t>		Your main point, Why it's important, Why audience should care, Quotes, Graphics, Bullet points, etc </a:t>
             </a:r>
           </a:p>
           <a:p>
@@ -4829,15 +4450,7 @@
           <a:p>
             <a:r>
               <a:rPr lang="en-US" dirty="0" smtClean="0"/>
-              <a:t>For </a:t>
-            </a:r>
-            <a:r>
-              <a:rPr lang="en-US" dirty="0" smtClean="0"/>
-              <a:t>the people who are not presenting, evaluate them according to different criteria and explain why you think that criteria is important. </a:t>
-            </a:r>
-            <a:r>
-              <a:rPr lang="en-US" dirty="0" smtClean="0"/>
-              <a:t> </a:t>
+              <a:t>For the people who are not presenting, evaluate them according to different criteria and explain why you think that criteria is important.  </a:t>
             </a:r>
             <a:r>
               <a:rPr lang="en-US" dirty="0" err="1" smtClean="0"/>
@@ -4845,235 +4458,8 @@
             </a:r>
             <a:r>
               <a:rPr lang="en-US" dirty="0" smtClean="0"/>
-              <a:t>.. </a:t>
-            </a:r>
-            <a:r>
-              <a:rPr lang="en-US" dirty="0" smtClean="0"/>
-              <a:t>relevance, creativity, originality, concept, clarity, speaking</a:t>
-            </a:r>
-            <a:r>
-              <a:rPr lang="en-US" dirty="0" smtClean="0"/>
-              <a:t> prowess... These will be anonymous, btw</a:t>
-            </a:r>
-            <a:endParaRPr lang="en-US" dirty="0"/>
-          </a:p>
-        </p:txBody>
-      </p:sp>
-    </p:spTree>
-  </p:cSld>
-  <p:clrMapOvr>
-    <a:masterClrMapping/>
-  </p:clrMapOvr>
-  <p:transition spd="slow" advClick="0" advTm="3000">
-    <p:fade/>
-  </p:transition>
-  <p:timing>
-    <p:tnLst>
-      <p:par>
-        <p:cTn id="1" dur="indefinite" restart="never" nodeType="tmRoot"/>
-      </p:par>
-    </p:tnLst>
-  </p:timing>
-</p:sld>
-</file>
-
-<file path=ppt/slides/slide18.xml><?xml version="1.0" encoding="utf-8"?>
-<p:sld xmlns:a="http://schemas.openxmlformats.org/drawingml/2006/main" xmlns:r="http://schemas.openxmlformats.org/officeDocument/2006/relationships" xmlns:mc="http://schemas.openxmlformats.org/markup-compatibility/2006" xmlns:mv="urn:schemas-microsoft-com:mac:vml" xmlns:p="http://schemas.openxmlformats.org/presentationml/2006/main" mc:Ignorable="mv" mc:PreserveAttributes="mv:*">
-  <p:cSld>
-    <p:spTree>
-      <p:nvGrpSpPr>
-        <p:cNvPr id="1" name=""/>
-        <p:cNvGrpSpPr/>
-        <p:nvPr/>
-      </p:nvGrpSpPr>
-      <p:grpSpPr>
-        <a:xfrm>
-          <a:off x="0" y="0"/>
-          <a:ext cx="0" cy="0"/>
-          <a:chOff x="0" y="0"/>
-          <a:chExt cx="0" cy="0"/>
-        </a:xfrm>
-      </p:grpSpPr>
-      <p:sp>
-        <p:nvSpPr>
-          <p:cNvPr id="2" name="Title 1"/>
-          <p:cNvSpPr>
-            <a:spLocks noGrp="1"/>
-          </p:cNvSpPr>
-          <p:nvPr>
-            <p:ph type="title"/>
-          </p:nvPr>
-        </p:nvSpPr>
-        <p:spPr/>
-        <p:txBody>
-          <a:bodyPr/>
-          <a:lstStyle/>
-          <a:p>
-            <a:endParaRPr lang="en-US"/>
-          </a:p>
-        </p:txBody>
-      </p:sp>
-      <p:sp>
-        <p:nvSpPr>
-          <p:cNvPr id="3" name="Content Placeholder 2"/>
-          <p:cNvSpPr>
-            <a:spLocks noGrp="1"/>
-          </p:cNvSpPr>
-          <p:nvPr>
-            <p:ph idx="1"/>
-          </p:nvPr>
-        </p:nvSpPr>
-        <p:spPr/>
-        <p:txBody>
-          <a:bodyPr/>
-          <a:lstStyle/>
-          <a:p>
-            <a:r>
-              <a:rPr lang="en-US" dirty="0" smtClean="0"/>
-              <a:t>Patterns of presentation...</a:t>
-            </a:r>
-          </a:p>
-          <a:p>
-            <a:endParaRPr lang="en-US" dirty="0" smtClean="0"/>
-          </a:p>
-          <a:p>
-            <a:r>
-              <a:rPr lang="en-US" dirty="0" smtClean="0"/>
-              <a:t>Similar to Design Patterns in </a:t>
-            </a:r>
-            <a:r>
-              <a:rPr lang="en-US" dirty="0" smtClean="0"/>
-              <a:t>s</a:t>
-            </a:r>
-            <a:r>
-              <a:rPr lang="en-US" dirty="0" smtClean="0"/>
-              <a:t>oftware engineering.</a:t>
-            </a:r>
-          </a:p>
-          <a:p>
-            <a:endParaRPr lang="en-US" dirty="0" smtClean="0"/>
-          </a:p>
-          <a:p>
-            <a:r>
-              <a:rPr lang="en-US" dirty="0" smtClean="0"/>
-              <a:t>R</a:t>
-            </a:r>
-            <a:r>
-              <a:rPr lang="en-US" dirty="0" smtClean="0"/>
-              <a:t>ead papers in journals in your field.</a:t>
-            </a:r>
-          </a:p>
-          <a:p>
-            <a:r>
-              <a:rPr lang="en-US" dirty="0" smtClean="0"/>
-              <a:t>	</a:t>
-            </a:r>
-            <a:r>
-              <a:rPr lang="en-US" dirty="0" smtClean="0"/>
-              <a:t>How are they framing their arguments?</a:t>
-            </a:r>
-          </a:p>
-          <a:p>
-            <a:endParaRPr lang="en-US" dirty="0" smtClean="0"/>
-          </a:p>
-          <a:p>
-            <a:r>
-              <a:rPr lang="en-US" dirty="0" smtClean="0"/>
-              <a:t>	Claim: There are a finite number of strategies for each field. ... (?)</a:t>
-            </a:r>
-          </a:p>
-          <a:p>
-            <a:endParaRPr lang="en-US" dirty="0" smtClean="0"/>
-          </a:p>
-          <a:p>
-            <a:endParaRPr lang="en-US" dirty="0"/>
-          </a:p>
-        </p:txBody>
-      </p:sp>
-    </p:spTree>
-  </p:cSld>
-  <p:clrMapOvr>
-    <a:masterClrMapping/>
-  </p:clrMapOvr>
-  <p:transition spd="slow" advClick="0" advTm="3000">
-    <p:fade/>
-  </p:transition>
-  <p:timing>
-    <p:tnLst>
-      <p:par>
-        <p:cTn id="1" dur="indefinite" restart="never" nodeType="tmRoot"/>
-      </p:par>
-    </p:tnLst>
-  </p:timing>
-</p:sld>
-</file>
-
-<file path=ppt/slides/slide19.xml><?xml version="1.0" encoding="utf-8"?>
-<p:sld xmlns:a="http://schemas.openxmlformats.org/drawingml/2006/main" xmlns:r="http://schemas.openxmlformats.org/officeDocument/2006/relationships" xmlns:mc="http://schemas.openxmlformats.org/markup-compatibility/2006" xmlns:mv="urn:schemas-microsoft-com:mac:vml" xmlns:p="http://schemas.openxmlformats.org/presentationml/2006/main" mc:Ignorable="mv" mc:PreserveAttributes="mv:*">
-  <p:cSld>
-    <p:spTree>
-      <p:nvGrpSpPr>
-        <p:cNvPr id="1" name=""/>
-        <p:cNvGrpSpPr/>
-        <p:nvPr/>
-      </p:nvGrpSpPr>
-      <p:grpSpPr>
-        <a:xfrm>
-          <a:off x="0" y="0"/>
-          <a:ext cx="0" cy="0"/>
-          <a:chOff x="0" y="0"/>
-          <a:chExt cx="0" cy="0"/>
-        </a:xfrm>
-      </p:grpSpPr>
-      <p:sp>
-        <p:nvSpPr>
-          <p:cNvPr id="2" name="Title 1"/>
-          <p:cNvSpPr>
-            <a:spLocks noGrp="1"/>
-          </p:cNvSpPr>
-          <p:nvPr>
-            <p:ph type="title"/>
-          </p:nvPr>
-        </p:nvSpPr>
-        <p:spPr/>
-        <p:txBody>
-          <a:bodyPr/>
-          <a:lstStyle/>
-          <a:p>
-            <a:endParaRPr lang="en-US"/>
-          </a:p>
-        </p:txBody>
-      </p:sp>
-      <p:sp>
-        <p:nvSpPr>
-          <p:cNvPr id="3" name="Content Placeholder 2"/>
-          <p:cNvSpPr>
-            <a:spLocks noGrp="1"/>
-          </p:cNvSpPr>
-          <p:nvPr>
-            <p:ph idx="1"/>
-          </p:nvPr>
-        </p:nvSpPr>
-        <p:spPr/>
-        <p:txBody>
-          <a:bodyPr/>
-          <a:lstStyle/>
-          <a:p>
-            <a:endParaRPr lang="en-US" dirty="0" smtClean="0"/>
-          </a:p>
-          <a:p>
-            <a:r>
-              <a:rPr lang="en-US" dirty="0" smtClean="0"/>
-              <a:t>Homework: skim/read a number of articles and try to identify as many "paper patterns" as you can. Look for overarching patterns as well as specific patterns. Why are these patterns used? Are they effective?</a:t>
-            </a:r>
-          </a:p>
-          <a:p>
-            <a:endParaRPr lang="en-US" dirty="0" smtClean="0"/>
-          </a:p>
-          <a:p>
-            <a:endParaRPr lang="en-US" dirty="0" smtClean="0"/>
-          </a:p>
-          <a:p>
+              <a:t>.. relevance, creativity, originality, concept, clarity, speaking prowess... These will be anonymous, btw</a:t>
+            </a:r>
             <a:endParaRPr lang="en-US" dirty="0"/>
           </a:p>
         </p:txBody>
@@ -5166,7 +4552,6 @@
               <a:rPr lang="en-US" dirty="0" smtClean="0"/>
               <a:t>	2. how to find papers</a:t>
             </a:r>
-            <a:endParaRPr lang="en-US" dirty="0" smtClean="0"/>
           </a:p>
           <a:p>
             <a:r>
@@ -5177,7 +4562,23 @@
           <a:p>
             <a:r>
               <a:rPr lang="en-US" dirty="0" smtClean="0"/>
-              <a:t>	4. video homework</a:t>
+              <a:t>	4.</a:t>
+            </a:r>
+            <a:r>
+              <a:rPr lang="en-US" dirty="0" smtClean="0"/>
+              <a:t> </a:t>
+            </a:r>
+            <a:r>
+              <a:rPr lang="en-US" dirty="0" smtClean="0"/>
+              <a:t>interview</a:t>
+            </a:r>
+            <a:r>
+              <a:rPr lang="en-US" dirty="0" smtClean="0"/>
+              <a:t> </a:t>
+            </a:r>
+            <a:r>
+              <a:rPr lang="en-US" dirty="0" smtClean="0"/>
+              <a:t>homework</a:t>
             </a:r>
             <a:endParaRPr lang="en-US" dirty="0"/>
           </a:p>
@@ -5198,844 +4599,6 @@
       </p:par>
     </p:tnLst>
   </p:timing>
-</p:sld>
-</file>
-
-<file path=ppt/slides/slide20.xml><?xml version="1.0" encoding="utf-8"?>
-<p:sld xmlns:a="http://schemas.openxmlformats.org/drawingml/2006/main" xmlns:r="http://schemas.openxmlformats.org/officeDocument/2006/relationships" xmlns:mc="http://schemas.openxmlformats.org/markup-compatibility/2006" xmlns:mv="urn:schemas-microsoft-com:mac:vml" xmlns:p="http://schemas.openxmlformats.org/presentationml/2006/main" mc:Ignorable="mv" mc:PreserveAttributes="mv:*">
-  <p:cSld>
-    <p:spTree>
-      <p:nvGrpSpPr>
-        <p:cNvPr id="1" name=""/>
-        <p:cNvGrpSpPr/>
-        <p:nvPr/>
-      </p:nvGrpSpPr>
-      <p:grpSpPr>
-        <a:xfrm>
-          <a:off x="0" y="0"/>
-          <a:ext cx="0" cy="0"/>
-          <a:chOff x="0" y="0"/>
-          <a:chExt cx="0" cy="0"/>
-        </a:xfrm>
-      </p:grpSpPr>
-      <p:sp>
-        <p:nvSpPr>
-          <p:cNvPr id="2" name="Title 1"/>
-          <p:cNvSpPr>
-            <a:spLocks noGrp="1"/>
-          </p:cNvSpPr>
-          <p:nvPr>
-            <p:ph type="title"/>
-          </p:nvPr>
-        </p:nvSpPr>
-        <p:spPr/>
-        <p:txBody>
-          <a:bodyPr/>
-          <a:lstStyle/>
-          <a:p>
-            <a:endParaRPr lang="en-US"/>
-          </a:p>
-        </p:txBody>
-      </p:sp>
-      <p:sp>
-        <p:nvSpPr>
-          <p:cNvPr id="3" name="Content Placeholder 2"/>
-          <p:cNvSpPr>
-            <a:spLocks noGrp="1"/>
-          </p:cNvSpPr>
-          <p:nvPr>
-            <p:ph idx="1"/>
-          </p:nvPr>
-        </p:nvSpPr>
-        <p:spPr/>
-        <p:txBody>
-          <a:bodyPr/>
-          <a:lstStyle/>
-          <a:p>
-            <a:endParaRPr lang="en-US" dirty="0" smtClean="0"/>
-          </a:p>
-          <a:p>
-            <a:r>
-              <a:rPr lang="en-US" dirty="0" smtClean="0"/>
-              <a:t>Example of overarching pattern: Prototype project as example of potentially interesting research.</a:t>
-            </a:r>
-          </a:p>
-          <a:p>
-            <a:endParaRPr lang="en-US" dirty="0" smtClean="0"/>
-          </a:p>
-          <a:p>
-            <a:r>
-              <a:rPr lang="en-US" dirty="0" smtClean="0"/>
-              <a:t>Why effective? </a:t>
-            </a:r>
-          </a:p>
-          <a:p>
-            <a:endParaRPr lang="en-US" dirty="0" smtClean="0"/>
-          </a:p>
-          <a:p>
-            <a:r>
-              <a:rPr lang="en-US" dirty="0" smtClean="0"/>
-              <a:t>shows that your work is important to other people, has a scope beyond a particular project.</a:t>
-            </a:r>
-          </a:p>
-          <a:p>
-            <a:endParaRPr lang="en-US" dirty="0" smtClean="0"/>
-          </a:p>
-          <a:p>
-            <a:r>
-              <a:rPr lang="en-US" dirty="0" smtClean="0"/>
-              <a:t>takes pressure off of the project details -- it's just an intriguing prototype...</a:t>
-            </a:r>
-          </a:p>
-          <a:p>
-            <a:endParaRPr lang="en-US" dirty="0" smtClean="0"/>
-          </a:p>
-          <a:p>
-            <a:endParaRPr lang="en-US" dirty="0" smtClean="0"/>
-          </a:p>
-          <a:p>
-            <a:endParaRPr lang="en-US" dirty="0"/>
-          </a:p>
-        </p:txBody>
-      </p:sp>
-    </p:spTree>
-  </p:cSld>
-  <p:clrMapOvr>
-    <a:masterClrMapping/>
-  </p:clrMapOvr>
-  <p:transition spd="slow" advClick="0" advTm="3000">
-    <p:fade/>
-  </p:transition>
-  <p:timing>
-    <p:tnLst>
-      <p:par>
-        <p:cTn id="1" dur="indefinite" restart="never" nodeType="tmRoot"/>
-      </p:par>
-    </p:tnLst>
-  </p:timing>
-</p:sld>
-</file>
-
-<file path=ppt/slides/slide21.xml><?xml version="1.0" encoding="utf-8"?>
-<p:sld xmlns:a="http://schemas.openxmlformats.org/drawingml/2006/main" xmlns:r="http://schemas.openxmlformats.org/officeDocument/2006/relationships" xmlns:mc="http://schemas.openxmlformats.org/markup-compatibility/2006" xmlns:mv="urn:schemas-microsoft-com:mac:vml" xmlns:p="http://schemas.openxmlformats.org/presentationml/2006/main" mc:Ignorable="mv" mc:PreserveAttributes="mv:*">
-  <p:cSld>
-    <p:spTree>
-      <p:nvGrpSpPr>
-        <p:cNvPr id="1" name=""/>
-        <p:cNvGrpSpPr/>
-        <p:nvPr/>
-      </p:nvGrpSpPr>
-      <p:grpSpPr>
-        <a:xfrm>
-          <a:off x="0" y="0"/>
-          <a:ext cx="0" cy="0"/>
-          <a:chOff x="0" y="0"/>
-          <a:chExt cx="0" cy="0"/>
-        </a:xfrm>
-      </p:grpSpPr>
-      <p:sp>
-        <p:nvSpPr>
-          <p:cNvPr id="2" name="Title 1"/>
-          <p:cNvSpPr>
-            <a:spLocks noGrp="1"/>
-          </p:cNvSpPr>
-          <p:nvPr>
-            <p:ph type="title"/>
-          </p:nvPr>
-        </p:nvSpPr>
-        <p:spPr/>
-        <p:txBody>
-          <a:bodyPr/>
-          <a:lstStyle/>
-          <a:p>
-            <a:endParaRPr lang="en-US"/>
-          </a:p>
-        </p:txBody>
-      </p:sp>
-      <p:sp>
-        <p:nvSpPr>
-          <p:cNvPr id="3" name="Content Placeholder 2"/>
-          <p:cNvSpPr>
-            <a:spLocks noGrp="1"/>
-          </p:cNvSpPr>
-          <p:nvPr>
-            <p:ph idx="1"/>
-          </p:nvPr>
-        </p:nvSpPr>
-        <p:spPr/>
-        <p:txBody>
-          <a:bodyPr/>
-          <a:lstStyle/>
-          <a:p>
-            <a:endParaRPr lang="en-US" dirty="0" smtClean="0"/>
-          </a:p>
-          <a:p>
-            <a:r>
-              <a:rPr lang="en-US" dirty="0" smtClean="0"/>
-              <a:t>Example of specific pattern: Citing previous work and then subtly disparaging it as not being relevant to an important task.</a:t>
-            </a:r>
-          </a:p>
-          <a:p>
-            <a:endParaRPr lang="en-US" dirty="0" smtClean="0"/>
-          </a:p>
-          <a:p>
-            <a:r>
-              <a:rPr lang="en-US" dirty="0" smtClean="0"/>
-              <a:t>Why effective? </a:t>
-            </a:r>
-          </a:p>
-          <a:p>
-            <a:endParaRPr lang="en-US" dirty="0" smtClean="0"/>
-          </a:p>
-          <a:p>
-            <a:r>
-              <a:rPr lang="en-US" dirty="0" smtClean="0"/>
-              <a:t>Shows you are familiar with the field. </a:t>
-            </a:r>
-          </a:p>
-          <a:p>
-            <a:r>
-              <a:rPr lang="en-US" dirty="0" smtClean="0"/>
-              <a:t>Shows that know why specifically your work is important.</a:t>
-            </a:r>
-          </a:p>
-          <a:p>
-            <a:r>
-              <a:rPr lang="en-US" dirty="0" smtClean="0"/>
-              <a:t>Raises expectations that you will demonstrate relevance.</a:t>
-            </a:r>
-          </a:p>
-          <a:p>
-            <a:r>
-              <a:rPr lang="en-US" dirty="0" smtClean="0"/>
-              <a:t>Creates a narrative interest via implied conflict. (?)</a:t>
-            </a:r>
-          </a:p>
-          <a:p>
-            <a:endParaRPr lang="en-US" dirty="0" smtClean="0"/>
-          </a:p>
-          <a:p>
-            <a:endParaRPr lang="en-US" dirty="0" smtClean="0"/>
-          </a:p>
-          <a:p>
-            <a:endParaRPr lang="en-US" dirty="0" smtClean="0"/>
-          </a:p>
-          <a:p>
-            <a:endParaRPr lang="en-US" dirty="0"/>
-          </a:p>
-        </p:txBody>
-      </p:sp>
-    </p:spTree>
-  </p:cSld>
-  <p:clrMapOvr>
-    <a:masterClrMapping/>
-  </p:clrMapOvr>
-  <p:transition spd="slow" advClick="0" advTm="3000">
-    <p:fade/>
-  </p:transition>
-  <p:timing>
-    <p:tnLst>
-      <p:par>
-        <p:cTn id="1" dur="indefinite" restart="never" nodeType="tmRoot"/>
-      </p:par>
-    </p:tnLst>
-  </p:timing>
-</p:sld>
-</file>
-
-<file path=ppt/slides/slide22.xml><?xml version="1.0" encoding="utf-8"?>
-<p:sld xmlns:a="http://schemas.openxmlformats.org/drawingml/2006/main" xmlns:r="http://schemas.openxmlformats.org/officeDocument/2006/relationships" xmlns:mc="http://schemas.openxmlformats.org/markup-compatibility/2006" xmlns:mv="urn:schemas-microsoft-com:mac:vml" xmlns:p="http://schemas.openxmlformats.org/presentationml/2006/main" mc:Ignorable="mv" mc:PreserveAttributes="mv:*">
-  <p:cSld>
-    <p:spTree>
-      <p:nvGrpSpPr>
-        <p:cNvPr id="1" name=""/>
-        <p:cNvGrpSpPr/>
-        <p:nvPr/>
-      </p:nvGrpSpPr>
-      <p:grpSpPr>
-        <a:xfrm>
-          <a:off x="0" y="0"/>
-          <a:ext cx="0" cy="0"/>
-          <a:chOff x="0" y="0"/>
-          <a:chExt cx="0" cy="0"/>
-        </a:xfrm>
-      </p:grpSpPr>
-      <p:sp>
-        <p:nvSpPr>
-          <p:cNvPr id="2" name="Title 1"/>
-          <p:cNvSpPr>
-            <a:spLocks noGrp="1"/>
-          </p:cNvSpPr>
-          <p:nvPr>
-            <p:ph type="title"/>
-          </p:nvPr>
-        </p:nvSpPr>
-        <p:spPr/>
-        <p:txBody>
-          <a:bodyPr/>
-          <a:lstStyle/>
-          <a:p>
-            <a:endParaRPr lang="en-US"/>
-          </a:p>
-        </p:txBody>
-      </p:sp>
-      <p:sp>
-        <p:nvSpPr>
-          <p:cNvPr id="3" name="Content Placeholder 2"/>
-          <p:cNvSpPr>
-            <a:spLocks noGrp="1"/>
-          </p:cNvSpPr>
-          <p:nvPr>
-            <p:ph idx="1"/>
-          </p:nvPr>
-        </p:nvSpPr>
-        <p:spPr/>
-        <p:txBody>
-          <a:bodyPr/>
-          <a:lstStyle/>
-          <a:p>
-            <a:r>
-              <a:rPr lang="en-US" dirty="0" smtClean="0"/>
-              <a:t>In Rhetorical Analysis there is the dual concept of </a:t>
-            </a:r>
-          </a:p>
-          <a:p>
-            <a:endParaRPr lang="en-US" dirty="0" smtClean="0"/>
-          </a:p>
-          <a:p>
-            <a:r>
-              <a:rPr lang="en-US" dirty="0" smtClean="0"/>
-              <a:t>making a </a:t>
-            </a:r>
-            <a:r>
-              <a:rPr lang="en-US" i="1" dirty="0" smtClean="0"/>
-              <a:t>claim</a:t>
-            </a:r>
-          </a:p>
-          <a:p>
-            <a:r>
-              <a:rPr lang="en-US" dirty="0" smtClean="0"/>
-              <a:t>      which implies </a:t>
-            </a:r>
-          </a:p>
-          <a:p>
-            <a:r>
-              <a:rPr lang="en-US" dirty="0" smtClean="0"/>
-              <a:t>          a </a:t>
-            </a:r>
-            <a:r>
-              <a:rPr lang="en-US" i="1" dirty="0" smtClean="0"/>
-              <a:t>burden of proof</a:t>
-            </a:r>
-          </a:p>
-          <a:p>
-            <a:endParaRPr lang="en-US" dirty="0" smtClean="0"/>
-          </a:p>
-          <a:p>
-            <a:r>
-              <a:rPr lang="en-US" dirty="0" smtClean="0"/>
-              <a:t>What claims are you making? </a:t>
-            </a:r>
-          </a:p>
-          <a:p>
-            <a:r>
-              <a:rPr lang="en-US" dirty="0" smtClean="0"/>
-              <a:t>Why should people care about them?</a:t>
-            </a:r>
-          </a:p>
-          <a:p>
-            <a:endParaRPr lang="en-US" dirty="0" smtClean="0"/>
-          </a:p>
-          <a:p>
-            <a:r>
-              <a:rPr lang="en-US" dirty="0" smtClean="0"/>
-              <a:t>How can you back them up?</a:t>
-            </a:r>
-          </a:p>
-          <a:p>
-            <a:endParaRPr lang="en-US" dirty="0"/>
-          </a:p>
-        </p:txBody>
-      </p:sp>
-    </p:spTree>
-  </p:cSld>
-  <p:clrMapOvr>
-    <a:masterClrMapping/>
-  </p:clrMapOvr>
-  <p:transition spd="slow" advClick="0" advTm="3000">
-    <p:fade/>
-  </p:transition>
-  <p:timing>
-    <p:tnLst>
-      <p:par>
-        <p:cTn id="1" dur="indefinite" restart="never" nodeType="tmRoot"/>
-      </p:par>
-    </p:tnLst>
-  </p:timing>
-</p:sld>
-</file>
-
-<file path=ppt/slides/slide23.xml><?xml version="1.0" encoding="utf-8"?>
-<p:sld xmlns:a="http://schemas.openxmlformats.org/drawingml/2006/main" xmlns:r="http://schemas.openxmlformats.org/officeDocument/2006/relationships" xmlns:mc="http://schemas.openxmlformats.org/markup-compatibility/2006" xmlns:mv="urn:schemas-microsoft-com:mac:vml" xmlns:p="http://schemas.openxmlformats.org/presentationml/2006/main" mc:Ignorable="mv" mc:PreserveAttributes="mv:*">
-  <p:cSld>
-    <p:spTree>
-      <p:nvGrpSpPr>
-        <p:cNvPr id="1" name=""/>
-        <p:cNvGrpSpPr/>
-        <p:nvPr/>
-      </p:nvGrpSpPr>
-      <p:grpSpPr>
-        <a:xfrm>
-          <a:off x="0" y="0"/>
-          <a:ext cx="0" cy="0"/>
-          <a:chOff x="0" y="0"/>
-          <a:chExt cx="0" cy="0"/>
-        </a:xfrm>
-      </p:grpSpPr>
-      <p:sp>
-        <p:nvSpPr>
-          <p:cNvPr id="2" name="Title 1"/>
-          <p:cNvSpPr>
-            <a:spLocks noGrp="1"/>
-          </p:cNvSpPr>
-          <p:nvPr>
-            <p:ph type="title"/>
-          </p:nvPr>
-        </p:nvSpPr>
-        <p:spPr/>
-        <p:txBody>
-          <a:bodyPr/>
-          <a:lstStyle/>
-          <a:p>
-            <a:endParaRPr lang="en-US"/>
-          </a:p>
-        </p:txBody>
-      </p:sp>
-      <p:sp>
-        <p:nvSpPr>
-          <p:cNvPr id="3" name="Content Placeholder 2"/>
-          <p:cNvSpPr>
-            <a:spLocks noGrp="1"/>
-          </p:cNvSpPr>
-          <p:nvPr>
-            <p:ph idx="1"/>
-          </p:nvPr>
-        </p:nvSpPr>
-        <p:spPr/>
-        <p:txBody>
-          <a:bodyPr/>
-          <a:lstStyle/>
-          <a:p>
-            <a:r>
-              <a:rPr lang="en-US" dirty="0" smtClean="0"/>
-              <a:t>empirical studies</a:t>
-            </a:r>
-          </a:p>
-          <a:p>
-            <a:r>
-              <a:rPr lang="en-US" dirty="0" smtClean="0"/>
-              <a:t>logic</a:t>
-            </a:r>
-          </a:p>
-          <a:p>
-            <a:r>
-              <a:rPr lang="en-US" dirty="0" smtClean="0"/>
-              <a:t>quotes, citations</a:t>
-            </a:r>
-          </a:p>
-          <a:p>
-            <a:r>
-              <a:rPr lang="en-US" dirty="0" smtClean="0"/>
-              <a:t>charts</a:t>
-            </a:r>
-          </a:p>
-          <a:p>
-            <a:r>
-              <a:rPr lang="en-US" dirty="0" smtClean="0"/>
-              <a:t>images</a:t>
-            </a:r>
-          </a:p>
-          <a:p>
-            <a:r>
-              <a:rPr lang="en-US" dirty="0" smtClean="0"/>
-              <a:t>language tone (formal, jargon, amusing... etc)</a:t>
-            </a:r>
-          </a:p>
-          <a:p>
-            <a:r>
-              <a:rPr lang="en-US" dirty="0" smtClean="0"/>
-              <a:t>compare/contrast</a:t>
-            </a:r>
-          </a:p>
-          <a:p>
-            <a:r>
-              <a:rPr lang="en-US" dirty="0" smtClean="0"/>
-              <a:t>breadth/depth of analysis</a:t>
-            </a:r>
-          </a:p>
-          <a:p>
-            <a:r>
-              <a:rPr lang="en-US" dirty="0" smtClean="0"/>
-              <a:t>analogy, metaphor</a:t>
-            </a:r>
-          </a:p>
-          <a:p>
-            <a:r>
-              <a:rPr lang="en-US" dirty="0" smtClean="0"/>
-              <a:t>etc...</a:t>
-            </a:r>
-          </a:p>
-          <a:p>
-            <a:endParaRPr lang="en-US" dirty="0" smtClean="0"/>
-          </a:p>
-          <a:p>
-            <a:endParaRPr lang="en-US" dirty="0" smtClean="0"/>
-          </a:p>
-          <a:p>
-            <a:endParaRPr lang="en-US" dirty="0"/>
-          </a:p>
-        </p:txBody>
-      </p:sp>
-    </p:spTree>
-  </p:cSld>
-  <p:clrMapOvr>
-    <a:masterClrMapping/>
-  </p:clrMapOvr>
-  <p:transition spd="slow" advClick="0" advTm="3000">
-    <p:fade/>
-  </p:transition>
-  <p:timing>
-    <p:tnLst>
-      <p:par>
-        <p:cTn id="1" dur="indefinite" restart="never" nodeType="tmRoot"/>
-      </p:par>
-    </p:tnLst>
-  </p:timing>
-</p:sld>
-</file>
-
-<file path=ppt/slides/slide24.xml><?xml version="1.0" encoding="utf-8"?>
-<p:sld xmlns:a="http://schemas.openxmlformats.org/drawingml/2006/main" xmlns:r="http://schemas.openxmlformats.org/officeDocument/2006/relationships" xmlns:mc="http://schemas.openxmlformats.org/markup-compatibility/2006" xmlns:mv="urn:schemas-microsoft-com:mac:vml" xmlns:p="http://schemas.openxmlformats.org/presentationml/2006/main" mc:Ignorable="mv" mc:PreserveAttributes="mv:*">
-  <p:cSld>
-    <p:spTree>
-      <p:nvGrpSpPr>
-        <p:cNvPr id="1" name=""/>
-        <p:cNvGrpSpPr/>
-        <p:nvPr/>
-      </p:nvGrpSpPr>
-      <p:grpSpPr>
-        <a:xfrm>
-          <a:off x="0" y="0"/>
-          <a:ext cx="0" cy="0"/>
-          <a:chOff x="0" y="0"/>
-          <a:chExt cx="0" cy="0"/>
-        </a:xfrm>
-      </p:grpSpPr>
-      <p:sp>
-        <p:nvSpPr>
-          <p:cNvPr id="2" name="Title 1"/>
-          <p:cNvSpPr>
-            <a:spLocks noGrp="1"/>
-          </p:cNvSpPr>
-          <p:nvPr>
-            <p:ph type="title"/>
-          </p:nvPr>
-        </p:nvSpPr>
-        <p:spPr/>
-        <p:txBody>
-          <a:bodyPr/>
-          <a:lstStyle/>
-          <a:p>
-            <a:endParaRPr lang="en-US"/>
-          </a:p>
-        </p:txBody>
-      </p:sp>
-      <p:sp>
-        <p:nvSpPr>
-          <p:cNvPr id="3" name="Content Placeholder 2"/>
-          <p:cNvSpPr>
-            <a:spLocks noGrp="1"/>
-          </p:cNvSpPr>
-          <p:nvPr>
-            <p:ph idx="1"/>
-          </p:nvPr>
-        </p:nvSpPr>
-        <p:spPr/>
-        <p:txBody>
-          <a:bodyPr/>
-          <a:lstStyle/>
-          <a:p>
-            <a:r>
-              <a:rPr lang="en-US" dirty="0" smtClean="0"/>
-              <a:t>Homework</a:t>
-            </a:r>
-          </a:p>
-          <a:p>
-            <a:endParaRPr lang="en-US" dirty="0" smtClean="0"/>
-          </a:p>
-          <a:p>
-            <a:r>
-              <a:rPr lang="en-US" dirty="0" smtClean="0"/>
-              <a:t>1) find 10 "paper patterns" (both general and specific) from articles of your choice in fields you are interested in. Write a blog post describing them. Are they effective? Why or why not? Are they common? Are they only found in particular kinds of papers or particular fields? Cite and link to the papers you've skimmed/read.</a:t>
-            </a:r>
-          </a:p>
-          <a:p>
-            <a:endParaRPr lang="en-US" dirty="0" smtClean="0"/>
-          </a:p>
-          <a:p>
-            <a:r>
-              <a:rPr lang="en-US" dirty="0" smtClean="0"/>
-              <a:t>1b) Bring to class 3 interesting papers that are less than 10 pages each. Print them out on PAPER and provide LINKS to a complete digital copy (</a:t>
-            </a:r>
-            <a:r>
-              <a:rPr lang="en-US" dirty="0" err="1" smtClean="0"/>
-              <a:t>ie</a:t>
-            </a:r>
-            <a:r>
-              <a:rPr lang="en-US" dirty="0" smtClean="0"/>
-              <a:t>, not behind a </a:t>
-            </a:r>
-            <a:r>
-              <a:rPr lang="en-US" dirty="0" err="1" smtClean="0"/>
-              <a:t>paywall</a:t>
-            </a:r>
-            <a:r>
-              <a:rPr lang="en-US" dirty="0" smtClean="0"/>
-              <a:t>). </a:t>
-            </a:r>
-            <a:endParaRPr lang="en-US" dirty="0"/>
-          </a:p>
-        </p:txBody>
-      </p:sp>
-    </p:spTree>
-  </p:cSld>
-  <p:clrMapOvr>
-    <a:masterClrMapping/>
-  </p:clrMapOvr>
-  <p:transition spd="slow" advClick="0" advTm="3000">
-    <p:fade/>
-  </p:transition>
-  <p:timing>
-    <p:tnLst>
-      <p:par>
-        <p:cTn id="1" dur="indefinite" restart="never" nodeType="tmRoot"/>
-      </p:par>
-    </p:tnLst>
-  </p:timing>
-</p:sld>
-</file>
-
-<file path=ppt/slides/slide25.xml><?xml version="1.0" encoding="utf-8"?>
-<p:sld xmlns:a="http://schemas.openxmlformats.org/drawingml/2006/main" xmlns:r="http://schemas.openxmlformats.org/officeDocument/2006/relationships" xmlns:mc="http://schemas.openxmlformats.org/markup-compatibility/2006" xmlns:mv="urn:schemas-microsoft-com:mac:vml" xmlns:p="http://schemas.openxmlformats.org/presentationml/2006/main" mc:Ignorable="mv" mc:PreserveAttributes="mv:*">
-  <p:cSld>
-    <p:spTree>
-      <p:nvGrpSpPr>
-        <p:cNvPr id="1" name=""/>
-        <p:cNvGrpSpPr/>
-        <p:nvPr/>
-      </p:nvGrpSpPr>
-      <p:grpSpPr>
-        <a:xfrm>
-          <a:off x="0" y="0"/>
-          <a:ext cx="0" cy="0"/>
-          <a:chOff x="0" y="0"/>
-          <a:chExt cx="0" cy="0"/>
-        </a:xfrm>
-      </p:grpSpPr>
-      <p:sp>
-        <p:nvSpPr>
-          <p:cNvPr id="2" name="Title 1"/>
-          <p:cNvSpPr>
-            <a:spLocks noGrp="1"/>
-          </p:cNvSpPr>
-          <p:nvPr>
-            <p:ph type="title"/>
-          </p:nvPr>
-        </p:nvSpPr>
-        <p:spPr/>
-        <p:txBody>
-          <a:bodyPr/>
-          <a:lstStyle/>
-          <a:p>
-            <a:endParaRPr lang="en-US"/>
-          </a:p>
-        </p:txBody>
-      </p:sp>
-      <p:sp>
-        <p:nvSpPr>
-          <p:cNvPr id="3" name="Content Placeholder 2"/>
-          <p:cNvSpPr>
-            <a:spLocks noGrp="1"/>
-          </p:cNvSpPr>
-          <p:nvPr>
-            <p:ph idx="1"/>
-          </p:nvPr>
-        </p:nvSpPr>
-        <p:spPr/>
-        <p:txBody>
-          <a:bodyPr/>
-          <a:lstStyle/>
-          <a:p>
-            <a:r>
-              <a:rPr lang="en-US" dirty="0" smtClean="0"/>
-              <a:t>Homework</a:t>
-            </a:r>
-          </a:p>
-          <a:p>
-            <a:r>
-              <a:rPr lang="en-US" dirty="0" smtClean="0"/>
-              <a:t>2) Use your analytical skills to uncover the implicit or explicit philosophies of a particular author of an article. What is important/meaningful to the </a:t>
-            </a:r>
-            <a:r>
-              <a:rPr lang="en-US" dirty="0" err="1" smtClean="0"/>
-              <a:t>author(s</a:t>
-            </a:r>
-            <a:r>
-              <a:rPr lang="en-US" dirty="0" smtClean="0"/>
-              <a:t>)? Why are they important/meaningful to the </a:t>
-            </a:r>
-            <a:r>
-              <a:rPr lang="en-US" dirty="0" err="1" smtClean="0"/>
-              <a:t>author(s</a:t>
-            </a:r>
-            <a:r>
-              <a:rPr lang="en-US" dirty="0" smtClean="0"/>
-              <a:t>)? </a:t>
-            </a:r>
-          </a:p>
-          <a:p>
-            <a:r>
-              <a:rPr lang="en-US" dirty="0" smtClean="0"/>
-              <a:t>Where in the article do you find it? What citations support your findings? What is the relationship between the philosophy and the field in general?</a:t>
-            </a:r>
-          </a:p>
-          <a:p>
-            <a:r>
-              <a:rPr lang="en-US" dirty="0" smtClean="0"/>
-              <a:t>Do you agree with the "tenets" of the author's outlook?</a:t>
-            </a:r>
-          </a:p>
-          <a:p>
-            <a:endParaRPr lang="en-US" dirty="0" smtClean="0"/>
-          </a:p>
-        </p:txBody>
-      </p:sp>
-    </p:spTree>
-  </p:cSld>
-  <p:clrMapOvr>
-    <a:masterClrMapping/>
-  </p:clrMapOvr>
-  <p:transition spd="slow" advClick="0" advTm="3000">
-    <p:fade/>
-  </p:transition>
-  <p:timing>
-    <p:tnLst>
-      <p:par>
-        <p:cTn id="1" dur="indefinite" restart="never" nodeType="tmRoot"/>
-      </p:par>
-    </p:tnLst>
-  </p:timing>
-</p:sld>
-</file>
-
-<file path=ppt/slides/slide26.xml><?xml version="1.0" encoding="utf-8"?>
-<p:sld xmlns:a="http://schemas.openxmlformats.org/drawingml/2006/main" xmlns:r="http://schemas.openxmlformats.org/officeDocument/2006/relationships" xmlns:mc="http://schemas.openxmlformats.org/markup-compatibility/2006" xmlns:mv="urn:schemas-microsoft-com:mac:vml" xmlns:p="http://schemas.openxmlformats.org/presentationml/2006/main" mc:Ignorable="mv" mc:PreserveAttributes="mv:*">
-  <p:cSld>
-    <p:spTree>
-      <p:nvGrpSpPr>
-        <p:cNvPr id="1" name=""/>
-        <p:cNvGrpSpPr/>
-        <p:nvPr/>
-      </p:nvGrpSpPr>
-      <p:grpSpPr>
-        <a:xfrm>
-          <a:off x="0" y="0"/>
-          <a:ext cx="0" cy="0"/>
-          <a:chOff x="0" y="0"/>
-          <a:chExt cx="0" cy="0"/>
-        </a:xfrm>
-      </p:grpSpPr>
-      <p:sp>
-        <p:nvSpPr>
-          <p:cNvPr id="2" name="Title 1"/>
-          <p:cNvSpPr>
-            <a:spLocks noGrp="1"/>
-          </p:cNvSpPr>
-          <p:nvPr>
-            <p:ph type="title"/>
-          </p:nvPr>
-        </p:nvSpPr>
-        <p:spPr/>
-        <p:txBody>
-          <a:bodyPr/>
-          <a:lstStyle/>
-          <a:p>
-            <a:endParaRPr lang="en-US"/>
-          </a:p>
-        </p:txBody>
-      </p:sp>
-      <p:sp>
-        <p:nvSpPr>
-          <p:cNvPr id="3" name="Content Placeholder 2"/>
-          <p:cNvSpPr>
-            <a:spLocks noGrp="1"/>
-          </p:cNvSpPr>
-          <p:nvPr>
-            <p:ph idx="1"/>
-          </p:nvPr>
-        </p:nvSpPr>
-        <p:spPr/>
-        <p:txBody>
-          <a:bodyPr/>
-          <a:lstStyle/>
-          <a:p>
-            <a:r>
-              <a:rPr lang="en-US" dirty="0" smtClean="0"/>
-              <a:t>Homework  2 cont) </a:t>
-            </a:r>
-          </a:p>
-          <a:p>
-            <a:endParaRPr lang="en-US" dirty="0" smtClean="0"/>
-          </a:p>
-          <a:p>
-            <a:r>
-              <a:rPr lang="en-US" dirty="0" smtClean="0"/>
-              <a:t>Prepare </a:t>
-            </a:r>
-            <a:r>
-              <a:rPr lang="en-US" dirty="0" smtClean="0"/>
-              <a:t>an exactly 8 minute presentation on your discoveries..</a:t>
-            </a:r>
-            <a:r>
-              <a:rPr lang="en-US" dirty="0" smtClean="0"/>
-              <a:t>.</a:t>
-            </a:r>
-          </a:p>
-          <a:p>
-            <a:endParaRPr lang="en-US" dirty="0" smtClean="0"/>
-          </a:p>
-          <a:p>
-            <a:r>
-              <a:rPr lang="en-US" dirty="0" smtClean="0"/>
-              <a:t>Your presentation should be more of a vivacious "friend" that your paper writing... That is, can be less formal, less of a burden of proof for each of your claims.</a:t>
-            </a:r>
-          </a:p>
-          <a:p>
-            <a:endParaRPr lang="en-US" dirty="0" smtClean="0"/>
-          </a:p>
-          <a:p>
-            <a:endParaRPr lang="en-US" dirty="0"/>
-          </a:p>
-        </p:txBody>
-      </p:sp>
-    </p:spTree>
-  </p:cSld>
-  <p:clrMapOvr>
-    <a:masterClrMapping/>
-  </p:clrMapOvr>
-  <p:transition spd="slow" advClick="0" advTm="3000">
-    <p:fade/>
-  </p:transition>
 </p:sld>
 </file>
 
@@ -6127,6 +4690,13 @@
   <p:transition spd="slow" advClick="0" advTm="3000">
     <p:fade/>
   </p:transition>
+  <p:timing>
+    <p:tnLst>
+      <p:par>
+        <p:cTn id="1" dur="indefinite" restart="never" nodeType="tmRoot"/>
+      </p:par>
+    </p:tnLst>
+  </p:timing>
 </p:sld>
 </file>
 
@@ -6301,6 +4871,13 @@
   <p:transition spd="slow" advClick="0" advTm="3000">
     <p:fade/>
   </p:transition>
+  <p:timing>
+    <p:tnLst>
+      <p:par>
+        <p:cTn id="1" dur="indefinite" restart="never" nodeType="tmRoot"/>
+      </p:par>
+    </p:tnLst>
+  </p:timing>
 </p:sld>
 </file>
 
@@ -6407,9 +4984,6 @@
               </a:rPr>
               <a:t> Article Database</a:t>
             </a:r>
-            <a:endParaRPr lang="en-US" dirty="0" smtClean="0">
-              <a:sym typeface="Wingdings"/>
-            </a:endParaRPr>
           </a:p>
           <a:p>
             <a:r>
@@ -6445,6 +5019,13 @@
   <p:transition spd="slow" advClick="0" advTm="3000">
     <p:fade/>
   </p:transition>
+  <p:timing>
+    <p:tnLst>
+      <p:par>
+        <p:cTn id="1" dur="indefinite" restart="never" nodeType="tmRoot"/>
+      </p:par>
+    </p:tnLst>
+  </p:timing>
 </p:sld>
 </file>
 
@@ -6560,6 +5141,13 @@
   <p:transition spd="slow" advClick="0" advTm="3000">
     <p:fade/>
   </p:transition>
+  <p:timing>
+    <p:tnLst>
+      <p:par>
+        <p:cTn id="1" dur="indefinite" restart="never" nodeType="tmRoot"/>
+      </p:par>
+    </p:tnLst>
+  </p:timing>
 </p:sld>
 </file>
 
@@ -6614,12 +5202,18 @@
           <a:bodyPr/>
           <a:lstStyle/>
           <a:p>
+            <a:r>
+              <a:rPr lang="en-US" dirty="0" smtClean="0"/>
+              <a:t>Of course, you will often be an outsider if you are working between fields or in an evolving field, but you want to be able to indicate that you are an equal participant.</a:t>
+            </a:r>
+          </a:p>
+          <a:p>
             <a:endParaRPr lang="en-US" dirty="0" smtClean="0"/>
           </a:p>
           <a:p>
             <a:r>
               <a:rPr lang="en-US" dirty="0" smtClean="0"/>
-              <a:t>I'm sure you all have lots of examples of precise moments of realizing someone doesn't have the same knowledge as you.</a:t>
+              <a:t>So... how to get this information?</a:t>
             </a:r>
           </a:p>
           <a:p>
@@ -6628,7 +5222,7 @@
           <a:p>
             <a:r>
               <a:rPr lang="en-US" dirty="0" smtClean="0"/>
-              <a:t>I talk with digital humanities people, and they make "mistakes" like over-emphasizing basic facts, or referring to topics that are "old news".</a:t>
+              <a:t>1) ask an expert ... what are the most important conferences/journals? what topics are most exciting?</a:t>
             </a:r>
           </a:p>
           <a:p>
@@ -6637,30 +5231,11 @@
           <a:p>
             <a:r>
               <a:rPr lang="en-US" dirty="0" smtClean="0"/>
-              <a:t>ex. design aesthetic of </a:t>
-            </a:r>
-            <a:r>
-              <a:rPr lang="en-US" dirty="0" smtClean="0"/>
-              <a:t>a</a:t>
-            </a:r>
-            <a:r>
-              <a:rPr lang="en-US" dirty="0" smtClean="0"/>
-              <a:t> </a:t>
-            </a:r>
-            <a:r>
-              <a:rPr lang="en-US" dirty="0" err="1" smtClean="0"/>
-              <a:t>mysql</a:t>
-            </a:r>
-            <a:r>
-              <a:rPr lang="en-US" dirty="0" smtClean="0"/>
-              <a:t> database (?)</a:t>
-            </a:r>
-          </a:p>
-          <a:p>
-            <a:r>
-              <a:rPr lang="en-US" dirty="0" smtClean="0"/>
-              <a:t>ex. talking about virtual reality and second life </a:t>
-            </a:r>
+              <a:t>2) look at the CV of people you respect, where do they publish/present?</a:t>
+            </a:r>
+          </a:p>
+          <a:p>
+            <a:endParaRPr lang="en-US" dirty="0" smtClean="0"/>
           </a:p>
           <a:p>
             <a:endParaRPr lang="en-US" dirty="0"/>
@@ -6675,6 +5250,13 @@
   <p:transition spd="slow" advClick="0" advTm="3000">
     <p:fade/>
   </p:transition>
+  <p:timing>
+    <p:tnLst>
+      <p:par>
+        <p:cTn id="1" dur="indefinite" restart="never" nodeType="tmRoot"/>
+      </p:par>
+    </p:tnLst>
+  </p:timing>
 </p:sld>
 </file>
 
@@ -6731,7 +5313,13 @@
           <a:p>
             <a:r>
               <a:rPr lang="en-US" dirty="0" smtClean="0"/>
-              <a:t>Of course, you will often be an outsider if you are working between fields or in an evolving field, but you want to be able to indicate that you are an equal participant.</a:t>
+              <a:t>Exercise:</a:t>
+            </a:r>
+          </a:p>
+          <a:p>
+            <a:r>
+              <a:rPr lang="en-US" dirty="0" smtClean="0"/>
+              <a:t>1) Find the most respected journals &amp; conferences that discuss face tracking techniques. Provide examples of papers. </a:t>
             </a:r>
           </a:p>
           <a:p>
@@ -6740,31 +5328,20 @@
           <a:p>
             <a:r>
               <a:rPr lang="en-US" dirty="0" smtClean="0"/>
-              <a:t>So... how to get this information?</a:t>
-            </a:r>
-          </a:p>
-          <a:p>
-            <a:endParaRPr lang="en-US" dirty="0" smtClean="0"/>
-          </a:p>
-          <a:p>
-            <a:r>
-              <a:rPr lang="en-US" dirty="0" smtClean="0"/>
-              <a:t>1) ask an expert ... what are the most important conferences/journals? what topics are most exciting?</a:t>
-            </a:r>
-          </a:p>
-          <a:p>
-            <a:endParaRPr lang="en-US" dirty="0" smtClean="0"/>
-          </a:p>
-          <a:p>
-            <a:r>
-              <a:rPr lang="en-US" dirty="0" smtClean="0"/>
-              <a:t>2) look at the CV of people you respect, where do they publish/present?</a:t>
-            </a:r>
-          </a:p>
-          <a:p>
-            <a:endParaRPr lang="en-US" dirty="0" smtClean="0"/>
-          </a:p>
-          <a:p>
+              <a:t>2) Find the most respected journals &amp; conferences that discuss surveillance in an artistic context. Provide examples of papers.</a:t>
+            </a:r>
+          </a:p>
+          <a:p>
+            <a:r>
+              <a:rPr lang="en-US" dirty="0" smtClean="0"/>
+              <a:t> </a:t>
+            </a:r>
+          </a:p>
+          <a:p>
+            <a:r>
+              <a:rPr lang="en-US" dirty="0" smtClean="0"/>
+              <a:t>Can you identify important people in these fields? Can you identify interesting current trends? </a:t>
+            </a:r>
             <a:endParaRPr lang="en-US" dirty="0"/>
           </a:p>
         </p:txBody>
@@ -6777,6 +5354,13 @@
   <p:transition spd="slow" advClick="0" advTm="3000">
     <p:fade/>
   </p:transition>
+  <p:timing>
+    <p:tnLst>
+      <p:par>
+        <p:cTn id="1" dur="indefinite" restart="never" nodeType="tmRoot"/>
+      </p:par>
+    </p:tnLst>
+  </p:timing>
 </p:sld>
 </file>
 
@@ -6833,7 +5417,7 @@
           <a:p>
             <a:r>
               <a:rPr lang="en-US" dirty="0" smtClean="0"/>
-              <a:t>3) Look for respected "brands" : IEEE or ACM for technical conferences</a:t>
+              <a:t>Exercise:</a:t>
             </a:r>
           </a:p>
           <a:p>
@@ -6842,34 +5426,28 @@
           <a:p>
             <a:r>
               <a:rPr lang="en-US" dirty="0" smtClean="0"/>
-              <a:t>I made a mistake with the Information </a:t>
-            </a:r>
-            <a:r>
-              <a:rPr lang="en-US" dirty="0" err="1" smtClean="0"/>
-              <a:t>Visualisation</a:t>
-            </a:r>
+              <a:t>Best Papers...</a:t>
+            </a:r>
+          </a:p>
+          <a:p>
             <a:endParaRPr lang="en-US" dirty="0" smtClean="0"/>
           </a:p>
           <a:p>
             <a:r>
               <a:rPr lang="en-US" dirty="0" smtClean="0"/>
-              <a:t> (</a:t>
-            </a:r>
-            <a:r>
-              <a:rPr lang="en-US" dirty="0" err="1" smtClean="0"/>
-              <a:t>vs</a:t>
-            </a:r>
-            <a:r>
-              <a:rPr lang="en-US" dirty="0" smtClean="0"/>
-              <a:t> the IEEE information visualization) when doing literature review for my </a:t>
-            </a:r>
-            <a:r>
-              <a:rPr lang="en-US" dirty="0" err="1" smtClean="0"/>
-              <a:t>quals</a:t>
-            </a:r>
-            <a:r>
-              <a:rPr lang="en-US" dirty="0" smtClean="0"/>
-              <a:t>. </a:t>
+              <a:t>interpretive summarization:</a:t>
+            </a:r>
+          </a:p>
+          <a:p>
+            <a:r>
+              <a:rPr lang="en-US" dirty="0" smtClean="0"/>
+              <a:t>	factual - information relevant to you</a:t>
+            </a:r>
+          </a:p>
+          <a:p>
+            <a:r>
+              <a:rPr lang="en-US" dirty="0" smtClean="0"/>
+              <a:t>	rhetorical - "paper patterns"</a:t>
             </a:r>
           </a:p>
           <a:p>
@@ -6878,16 +5456,13 @@
           <a:p>
             <a:r>
               <a:rPr lang="en-US" dirty="0" smtClean="0"/>
-              <a:t>citations counting, influence numbers are great, but not as useful for recent papers; and you can usually find the widely cited papers by starting with a recent paper.</a:t>
-            </a:r>
-          </a:p>
-          <a:p>
-            <a:endParaRPr lang="en-US" dirty="0" smtClean="0"/>
-          </a:p>
-          <a:p>
-            <a:r>
-              <a:rPr lang="en-US" dirty="0" smtClean="0"/>
-              <a:t>   </a:t>
+              <a:t>summarize the most important parts that are potentially relevant to your research. contextualize it in terms of your own research agendas.</a:t>
+            </a:r>
+          </a:p>
+          <a:p>
+            <a:r>
+              <a:rPr lang="en-US" dirty="0" smtClean="0"/>
+              <a:t>	</a:t>
             </a:r>
             <a:endParaRPr lang="en-US" dirty="0"/>
           </a:p>
@@ -6901,6 +5476,13 @@
   <p:transition spd="slow" advClick="0" advTm="3000">
     <p:fade/>
   </p:transition>
+  <p:timing>
+    <p:tnLst>
+      <p:par>
+        <p:cTn id="1" dur="indefinite" restart="never" nodeType="tmRoot"/>
+      </p:par>
+    </p:tnLst>
+  </p:timing>
 </p:sld>
 </file>
 
